--- a/WAD/lectures/120--Javascript.Events.pptx
+++ b/WAD/lectures/120--Javascript.Events.pptx
@@ -282,7 +282,7 @@
         <p:nvSpPr>
           <p:cNvPr id="18436" name="Rectangle 4"/>
           <p:cNvSpPr>
-            <a:spLocks noRot="1" noChangeArrowheads="1" noTextEdit="1"/>
+            <a:spLocks noGrp="1" noRot="1" noChangeAspect="1" noChangeArrowheads="1" noTextEdit="1"/>
           </p:cNvSpPr>
           <p:nvPr>
             <p:ph type="sldImg" idx="2"/>
@@ -779,7 +779,7 @@
         <p:nvSpPr>
           <p:cNvPr id="19459" name="Rectangle 1"/>
           <p:cNvSpPr txBox="1">
-            <a:spLocks noChangeArrowheads="1" noTextEdit="1"/>
+            <a:spLocks noGrp="1" noRot="1" noChangeAspect="1" noChangeArrowheads="1" noTextEdit="1"/>
           </p:cNvSpPr>
           <p:nvPr>
             <p:ph type="sldImg"/>
@@ -796,7 +796,7 @@
         <p:nvSpPr>
           <p:cNvPr id="19460" name="Rectangle 2"/>
           <p:cNvSpPr txBox="1">
-            <a:spLocks noChangeArrowheads="1"/>
+            <a:spLocks noGrp="1" noChangeArrowheads="1"/>
           </p:cNvSpPr>
           <p:nvPr>
             <p:ph type="body" idx="1"/>
@@ -1016,7 +1016,7 @@
         <p:nvSpPr>
           <p:cNvPr id="28675" name="Rectangle 1"/>
           <p:cNvSpPr txBox="1">
-            <a:spLocks noChangeArrowheads="1" noTextEdit="1"/>
+            <a:spLocks noGrp="1" noRot="1" noChangeAspect="1" noChangeArrowheads="1" noTextEdit="1"/>
           </p:cNvSpPr>
           <p:nvPr>
             <p:ph type="sldImg"/>
@@ -1033,7 +1033,7 @@
         <p:nvSpPr>
           <p:cNvPr id="28676" name="Rectangle 2"/>
           <p:cNvSpPr txBox="1">
-            <a:spLocks noChangeArrowheads="1"/>
+            <a:spLocks noGrp="1" noChangeArrowheads="1"/>
           </p:cNvSpPr>
           <p:nvPr>
             <p:ph type="body" idx="1"/>
@@ -1253,7 +1253,7 @@
         <p:nvSpPr>
           <p:cNvPr id="20483" name="Rectangle 1"/>
           <p:cNvSpPr txBox="1">
-            <a:spLocks noChangeArrowheads="1" noTextEdit="1"/>
+            <a:spLocks noGrp="1" noRot="1" noChangeAspect="1" noChangeArrowheads="1" noTextEdit="1"/>
           </p:cNvSpPr>
           <p:nvPr>
             <p:ph type="sldImg"/>
@@ -1270,7 +1270,7 @@
         <p:nvSpPr>
           <p:cNvPr id="20484" name="Rectangle 2"/>
           <p:cNvSpPr txBox="1">
-            <a:spLocks noChangeArrowheads="1"/>
+            <a:spLocks noGrp="1" noChangeArrowheads="1"/>
           </p:cNvSpPr>
           <p:nvPr>
             <p:ph type="body" idx="1"/>
@@ -1490,7 +1490,7 @@
         <p:nvSpPr>
           <p:cNvPr id="21507" name="Rectangle 1"/>
           <p:cNvSpPr txBox="1">
-            <a:spLocks noChangeArrowheads="1" noTextEdit="1"/>
+            <a:spLocks noGrp="1" noRot="1" noChangeAspect="1" noChangeArrowheads="1" noTextEdit="1"/>
           </p:cNvSpPr>
           <p:nvPr>
             <p:ph type="sldImg"/>
@@ -1507,7 +1507,7 @@
         <p:nvSpPr>
           <p:cNvPr id="21508" name="Rectangle 2"/>
           <p:cNvSpPr txBox="1">
-            <a:spLocks noChangeArrowheads="1"/>
+            <a:spLocks noGrp="1" noChangeArrowheads="1"/>
           </p:cNvSpPr>
           <p:nvPr>
             <p:ph type="body" idx="1"/>
@@ -1727,7 +1727,7 @@
         <p:nvSpPr>
           <p:cNvPr id="22531" name="Rectangle 1"/>
           <p:cNvSpPr txBox="1">
-            <a:spLocks noChangeArrowheads="1" noTextEdit="1"/>
+            <a:spLocks noGrp="1" noRot="1" noChangeAspect="1" noChangeArrowheads="1" noTextEdit="1"/>
           </p:cNvSpPr>
           <p:nvPr>
             <p:ph type="sldImg"/>
@@ -1748,7 +1748,7 @@
         <p:nvSpPr>
           <p:cNvPr id="22532" name="Rectangle 2"/>
           <p:cNvSpPr txBox="1">
-            <a:spLocks noChangeArrowheads="1"/>
+            <a:spLocks noGrp="1" noChangeArrowheads="1"/>
           </p:cNvSpPr>
           <p:nvPr>
             <p:ph type="body" idx="1"/>
@@ -1972,7 +1972,7 @@
         <p:nvSpPr>
           <p:cNvPr id="23555" name="Rectangle 1"/>
           <p:cNvSpPr txBox="1">
-            <a:spLocks noChangeArrowheads="1" noTextEdit="1"/>
+            <a:spLocks noGrp="1" noRot="1" noChangeAspect="1" noChangeArrowheads="1" noTextEdit="1"/>
           </p:cNvSpPr>
           <p:nvPr>
             <p:ph type="sldImg"/>
@@ -1993,7 +1993,7 @@
         <p:nvSpPr>
           <p:cNvPr id="23556" name="Rectangle 2"/>
           <p:cNvSpPr txBox="1">
-            <a:spLocks noChangeArrowheads="1"/>
+            <a:spLocks noGrp="1" noChangeArrowheads="1"/>
           </p:cNvSpPr>
           <p:nvPr>
             <p:ph type="body" idx="1"/>
@@ -2217,7 +2217,7 @@
         <p:nvSpPr>
           <p:cNvPr id="24579" name="Rectangle 1"/>
           <p:cNvSpPr txBox="1">
-            <a:spLocks noChangeArrowheads="1" noTextEdit="1"/>
+            <a:spLocks noGrp="1" noRot="1" noChangeAspect="1" noChangeArrowheads="1" noTextEdit="1"/>
           </p:cNvSpPr>
           <p:nvPr>
             <p:ph type="sldImg"/>
@@ -2238,7 +2238,7 @@
         <p:nvSpPr>
           <p:cNvPr id="24580" name="Rectangle 2"/>
           <p:cNvSpPr txBox="1">
-            <a:spLocks noChangeArrowheads="1"/>
+            <a:spLocks noGrp="1" noChangeArrowheads="1"/>
           </p:cNvSpPr>
           <p:nvPr>
             <p:ph type="body" idx="1"/>
@@ -2462,7 +2462,7 @@
         <p:nvSpPr>
           <p:cNvPr id="25603" name="Rectangle 1"/>
           <p:cNvSpPr txBox="1">
-            <a:spLocks noChangeArrowheads="1" noTextEdit="1"/>
+            <a:spLocks noGrp="1" noRot="1" noChangeAspect="1" noChangeArrowheads="1" noTextEdit="1"/>
           </p:cNvSpPr>
           <p:nvPr>
             <p:ph type="sldImg"/>
@@ -2483,7 +2483,7 @@
         <p:nvSpPr>
           <p:cNvPr id="25604" name="Rectangle 2"/>
           <p:cNvSpPr txBox="1">
-            <a:spLocks noChangeArrowheads="1"/>
+            <a:spLocks noGrp="1" noChangeArrowheads="1"/>
           </p:cNvSpPr>
           <p:nvPr>
             <p:ph type="body" idx="1"/>
@@ -2707,7 +2707,7 @@
         <p:nvSpPr>
           <p:cNvPr id="26627" name="Rectangle 1"/>
           <p:cNvSpPr txBox="1">
-            <a:spLocks noChangeArrowheads="1" noTextEdit="1"/>
+            <a:spLocks noGrp="1" noRot="1" noChangeAspect="1" noChangeArrowheads="1" noTextEdit="1"/>
           </p:cNvSpPr>
           <p:nvPr>
             <p:ph type="sldImg"/>
@@ -2724,7 +2724,7 @@
         <p:nvSpPr>
           <p:cNvPr id="26628" name="Rectangle 2"/>
           <p:cNvSpPr txBox="1">
-            <a:spLocks noChangeArrowheads="1"/>
+            <a:spLocks noGrp="1" noChangeArrowheads="1"/>
           </p:cNvSpPr>
           <p:nvPr>
             <p:ph type="body" idx="1"/>
@@ -2944,7 +2944,7 @@
         <p:nvSpPr>
           <p:cNvPr id="27651" name="Rectangle 1"/>
           <p:cNvSpPr txBox="1">
-            <a:spLocks noChangeArrowheads="1" noTextEdit="1"/>
+            <a:spLocks noGrp="1" noRot="1" noChangeAspect="1" noChangeArrowheads="1" noTextEdit="1"/>
           </p:cNvSpPr>
           <p:nvPr>
             <p:ph type="sldImg"/>
@@ -2961,7 +2961,7 @@
         <p:nvSpPr>
           <p:cNvPr id="27652" name="Rectangle 2"/>
           <p:cNvSpPr txBox="1">
-            <a:spLocks noChangeArrowheads="1"/>
+            <a:spLocks noGrp="1" noChangeArrowheads="1"/>
           </p:cNvSpPr>
           <p:nvPr>
             <p:ph type="body" idx="1"/>
@@ -3264,7 +3264,7 @@
               <a:pPr>
                 <a:defRPr/>
               </a:pPr>
-              <a:t>10/28/2017</a:t>
+              <a:t>12/13/2017</a:t>
             </a:fld>
             <a:endParaRPr lang="en-US" altLang="en-US"/>
           </a:p>
@@ -3497,7 +3497,7 @@
               <a:pPr>
                 <a:defRPr/>
               </a:pPr>
-              <a:t>10/28/2017</a:t>
+              <a:t>12/13/2017</a:t>
             </a:fld>
             <a:endParaRPr lang="en-US" altLang="en-US"/>
           </a:p>
@@ -4369,7 +4369,7 @@
               <a:pPr>
                 <a:defRPr/>
               </a:pPr>
-              <a:t>10/28/2017</a:t>
+              <a:t>12/13/2017</a:t>
             </a:fld>
             <a:endParaRPr lang="en-US" altLang="en-US"/>
           </a:p>
@@ -4517,7 +4517,7 @@
               <a:pPr>
                 <a:defRPr/>
               </a:pPr>
-              <a:t>10/28/2017</a:t>
+              <a:t>12/13/2017</a:t>
             </a:fld>
             <a:endParaRPr lang="en-US" altLang="en-US"/>
           </a:p>
@@ -4847,7 +4847,7 @@
               <a:pPr>
                 <a:defRPr/>
               </a:pPr>
-              <a:t>10/28/2017</a:t>
+              <a:t>12/13/2017</a:t>
             </a:fld>
             <a:endParaRPr lang="en-US" altLang="en-US"/>
           </a:p>
@@ -5154,7 +5154,7 @@
               <a:pPr>
                 <a:defRPr/>
               </a:pPr>
-              <a:t>10/28/2017</a:t>
+              <a:t>12/13/2017</a:t>
             </a:fld>
             <a:endParaRPr lang="en-US" altLang="en-US"/>
           </a:p>
@@ -8822,7 +8822,7 @@
   <p:timing>
     <p:tnLst>
       <p:par>
-        <p:cTn id="1" dur="indefinite" nodeType="tmRoot">
+        <p:cTn id="1" dur="indefinite" restart="never" nodeType="tmRoot">
           <p:childTnLst>
             <p:seq concurrent="1" nextAc="seek">
               <p:cTn id="2" dur="indefinite" nodeType="mainSeq"/>
@@ -8981,7 +8981,7 @@
   <p:timing>
     <p:tnLst>
       <p:par>
-        <p:cTn id="1" dur="indefinite" nodeType="tmRoot">
+        <p:cTn id="1" dur="indefinite" restart="never" nodeType="tmRoot">
           <p:childTnLst>
             <p:seq concurrent="1" nextAc="seek">
               <p:cTn id="2" dur="0" nodeType="mainSeq"/>
@@ -9272,7 +9272,7 @@
   <p:timing>
     <p:tnLst>
       <p:par>
-        <p:cTn id="1" dur="indefinite" nodeType="tmRoot">
+        <p:cTn id="1" dur="indefinite" restart="never" nodeType="tmRoot">
           <p:childTnLst>
             <p:seq concurrent="1" nextAc="seek">
               <p:cTn id="2" dur="0" nodeType="mainSeq"/>
@@ -9455,7 +9455,7 @@
   <p:timing>
     <p:tnLst>
       <p:par>
-        <p:cTn id="1" dur="indefinite" nodeType="tmRoot">
+        <p:cTn id="1" dur="indefinite" restart="never" nodeType="tmRoot">
           <p:childTnLst>
             <p:seq concurrent="1" nextAc="seek">
               <p:cTn id="2" dur="0" nodeType="mainSeq"/>
@@ -9746,7 +9746,7 @@
   <p:timing>
     <p:tnLst>
       <p:par>
-        <p:cTn id="1" dur="indefinite" nodeType="tmRoot">
+        <p:cTn id="1" dur="indefinite" restart="never" nodeType="tmRoot">
           <p:childTnLst>
             <p:seq concurrent="1" nextAc="seek">
               <p:cTn id="2" dur="0" nodeType="mainSeq"/>
@@ -10513,7 +10513,7 @@
               </a:buBlip>
             </a:pPr>
             <a:r>
-              <a:rPr lang="en-GB" altLang="en-US" sz="3000">
+              <a:rPr lang="en-GB" altLang="en-US" sz="3000" dirty="0">
                 <a:solidFill>
                   <a:srgbClr val="000000"/>
                 </a:solidFill>
@@ -10537,7 +10537,7 @@
               </a:buBlip>
             </a:pPr>
             <a:r>
-              <a:rPr lang="en-GB" altLang="en-US" sz="3000">
+              <a:rPr lang="en-GB" altLang="en-US" sz="3000" dirty="0">
                 <a:solidFill>
                   <a:srgbClr val="000000"/>
                 </a:solidFill>
@@ -10561,13 +10561,31 @@
               </a:buBlip>
             </a:pPr>
             <a:r>
-              <a:rPr lang="en-GB" altLang="en-US" sz="3000">
+              <a:rPr lang="en-GB" altLang="en-US" sz="3000" dirty="0">
                 <a:solidFill>
                   <a:srgbClr val="000000"/>
                 </a:solidFill>
                 <a:latin typeface="Arial" panose="020B0604020202020204" pitchFamily="34" charset="0"/>
               </a:rPr>
-              <a:t>Create a Simple Javascript Examples</a:t>
+              <a:t>Create a Simple </a:t>
+            </a:r>
+            <a:r>
+              <a:rPr lang="en-GB" altLang="en-US" sz="3000" dirty="0" err="1">
+                <a:solidFill>
+                  <a:srgbClr val="000000"/>
+                </a:solidFill>
+                <a:latin typeface="Arial" panose="020B0604020202020204" pitchFamily="34" charset="0"/>
+              </a:rPr>
+              <a:t>Javascript</a:t>
+            </a:r>
+            <a:r>
+              <a:rPr lang="en-GB" altLang="en-US" sz="3000" dirty="0">
+                <a:solidFill>
+                  <a:srgbClr val="000000"/>
+                </a:solidFill>
+                <a:latin typeface="Arial" panose="020B0604020202020204" pitchFamily="34" charset="0"/>
+              </a:rPr>
+              <a:t> Examples</a:t>
             </a:r>
           </a:p>
           <a:p>
@@ -10582,7 +10600,7 @@
               <a:buChar char=""/>
             </a:pPr>
             <a:r>
-              <a:rPr lang="en-GB" altLang="en-US" sz="2600">
+              <a:rPr lang="en-GB" altLang="en-US" sz="2600" dirty="0">
                 <a:solidFill>
                   <a:srgbClr val="000000"/>
                 </a:solidFill>
@@ -10603,7 +10621,7 @@
               <a:buChar char=""/>
             </a:pPr>
             <a:r>
-              <a:rPr lang="en-GB" altLang="en-US" sz="2600">
+              <a:rPr lang="en-GB" altLang="en-US" sz="2600" dirty="0">
                 <a:solidFill>
                   <a:srgbClr val="000000"/>
                 </a:solidFill>
@@ -10624,38 +10642,38 @@
               <a:buChar char=""/>
             </a:pPr>
             <a:r>
-              <a:rPr lang="en-GB" altLang="en-US" sz="2600">
+              <a:rPr lang="en-GB" altLang="en-US" sz="2600" dirty="0">
                 <a:solidFill>
                   <a:srgbClr val="000000"/>
                 </a:solidFill>
                 <a:latin typeface="Arial" panose="020B0604020202020204" pitchFamily="34" charset="0"/>
               </a:rPr>
-              <a:t>Update GitHub Account/Webpage</a:t>
+              <a:t>Update </a:t>
             </a:r>
-          </a:p>
-          <a:p>
-            <a:pPr>
-              <a:lnSpc>
-                <a:spcPct val="80000"/>
-              </a:lnSpc>
-              <a:spcBef>
-                <a:spcPts val="750"/>
-              </a:spcBef>
-              <a:buSzPct val="107000"/>
-              <a:buFont typeface="Arial" panose="020B0604020202020204" pitchFamily="34" charset="0"/>
-              <a:buBlip>
-                <a:blip r:embed="rId3"/>
-              </a:buBlip>
-            </a:pPr>
             <a:r>
-              <a:rPr lang="en-GB" altLang="en-US" sz="3000" b="1" u="sng">
+              <a:rPr lang="en-GB" altLang="en-US" sz="2600">
                 <a:solidFill>
                   <a:srgbClr val="000000"/>
                 </a:solidFill>
                 <a:latin typeface="Arial" panose="020B0604020202020204" pitchFamily="34" charset="0"/>
               </a:rPr>
-              <a:t>Start Early</a:t>
+              <a:t>GitHub </a:t>
             </a:r>
+            <a:r>
+              <a:rPr lang="en-GB" altLang="en-US" sz="2600" smtClean="0">
+                <a:solidFill>
+                  <a:srgbClr val="000000"/>
+                </a:solidFill>
+                <a:latin typeface="Arial" panose="020B0604020202020204" pitchFamily="34" charset="0"/>
+              </a:rPr>
+              <a:t>Account/Webpage</a:t>
+            </a:r>
+            <a:endParaRPr lang="en-GB" altLang="en-US" sz="2600" dirty="0">
+              <a:solidFill>
+                <a:srgbClr val="000000"/>
+              </a:solidFill>
+              <a:latin typeface="Arial" panose="020B0604020202020204" pitchFamily="34" charset="0"/>
+            </a:endParaRPr>
           </a:p>
         </p:txBody>
       </p:sp>
@@ -10668,7 +10686,7 @@
   <p:timing>
     <p:tnLst>
       <p:par>
-        <p:cTn id="1" dur="indefinite" nodeType="tmRoot">
+        <p:cTn id="1" dur="indefinite" restart="never" nodeType="tmRoot">
           <p:childTnLst>
             <p:seq concurrent="1" nextAc="seek">
               <p:cTn id="2" dur="indefinite" nodeType="mainSeq"/>

--- a/WAD/lectures/120--Javascript.Events.pptx
+++ b/WAD/lectures/120--Javascript.Events.pptx
@@ -5,7 +5,7 @@
     <p:sldMasterId id="2147483648" r:id="rId1"/>
   </p:sldMasterIdLst>
   <p:notesMasterIdLst>
-    <p:notesMasterId r:id="rId42"/>
+    <p:notesMasterId r:id="rId43"/>
   </p:notesMasterIdLst>
   <p:sldIdLst>
     <p:sldId id="256" r:id="rId2"/>
@@ -39,15 +39,16 @@
     <p:sldId id="288" r:id="rId30"/>
     <p:sldId id="289" r:id="rId31"/>
     <p:sldId id="290" r:id="rId32"/>
-    <p:sldId id="276" r:id="rId33"/>
-    <p:sldId id="291" r:id="rId34"/>
-    <p:sldId id="292" r:id="rId35"/>
-    <p:sldId id="295" r:id="rId36"/>
-    <p:sldId id="293" r:id="rId37"/>
-    <p:sldId id="294" r:id="rId38"/>
-    <p:sldId id="263" r:id="rId39"/>
-    <p:sldId id="264" r:id="rId40"/>
-    <p:sldId id="265" r:id="rId41"/>
+    <p:sldId id="296" r:id="rId33"/>
+    <p:sldId id="276" r:id="rId34"/>
+    <p:sldId id="291" r:id="rId35"/>
+    <p:sldId id="292" r:id="rId36"/>
+    <p:sldId id="295" r:id="rId37"/>
+    <p:sldId id="293" r:id="rId38"/>
+    <p:sldId id="294" r:id="rId39"/>
+    <p:sldId id="263" r:id="rId40"/>
+    <p:sldId id="264" r:id="rId41"/>
+    <p:sldId id="265" r:id="rId42"/>
   </p:sldIdLst>
   <p:sldSz cx="9144000" cy="6858000" type="screen4x3"/>
   <p:notesSz cx="6858000" cy="9144000"/>
@@ -1036,7 +1037,7 @@
             <a:fld id="{0BF73870-A4A2-4543-8343-273EBC5D12D2}" type="slidenum">
               <a:rPr lang="en-US" altLang="en-US" sz="1200"/>
               <a:pPr/>
-              <a:t>40</a:t>
+              <a:t>41</a:t>
             </a:fld>
             <a:endParaRPr lang="en-US" altLang="en-US" sz="1200"/>
           </a:p>
@@ -2727,7 +2728,7 @@
             <a:fld id="{3D30A713-7E8E-47FC-B1EB-06262C7C522D}" type="slidenum">
               <a:rPr lang="en-US" altLang="en-US" sz="1200"/>
               <a:pPr/>
-              <a:t>38</a:t>
+              <a:t>39</a:t>
             </a:fld>
             <a:endParaRPr lang="en-US" altLang="en-US" sz="1200"/>
           </a:p>
@@ -2964,7 +2965,7 @@
             <a:fld id="{76716C8E-8EA2-4129-8BDF-7338FDCC84D9}" type="slidenum">
               <a:rPr lang="en-US" altLang="en-US" sz="1200"/>
               <a:pPr/>
-              <a:t>39</a:t>
+              <a:t>40</a:t>
             </a:fld>
             <a:endParaRPr lang="en-US" altLang="en-US" sz="1200"/>
           </a:p>
@@ -7848,11 +7849,7 @@
             </a:r>
             <a:r>
               <a:rPr lang="en-US" altLang="en-US" dirty="0" smtClean="0"/>
-              <a:t> timer is an element of code that triggers after a certain period of time has </a:t>
-            </a:r>
-            <a:r>
-              <a:rPr lang="en-US" altLang="en-US" dirty="0" smtClean="0"/>
-              <a:t>elapsed</a:t>
+              <a:t> timer is an element of code that triggers after a certain period of time has elapsed</a:t>
             </a:r>
           </a:p>
           <a:p>
@@ -7885,11 +7882,7 @@
             </a:pPr>
             <a:r>
               <a:rPr lang="en-US" altLang="en-US" dirty="0" smtClean="0"/>
-              <a:t>There </a:t>
-            </a:r>
-            <a:r>
-              <a:rPr lang="en-US" altLang="en-US" dirty="0" smtClean="0"/>
-              <a:t>are two types of Timers you can create in </a:t>
+              <a:t>There are two types of Timers you can create in </a:t>
             </a:r>
             <a:r>
               <a:rPr lang="en-US" altLang="en-US" dirty="0" err="1" smtClean="0"/>
@@ -7927,13 +7920,8 @@
             </a:pPr>
             <a:r>
               <a:rPr lang="en-US" altLang="en-US" dirty="0" smtClean="0"/>
-              <a:t>Triggers </a:t>
-            </a:r>
-            <a:r>
-              <a:rPr lang="en-US" altLang="en-US" dirty="0" smtClean="0"/>
-              <a:t>just once after a certain period of time </a:t>
-            </a:r>
-            <a:endParaRPr lang="en-US" altLang="en-US" dirty="0" smtClean="0"/>
+              <a:t>Triggers just once after a certain period of time </a:t>
+            </a:r>
           </a:p>
           <a:p>
             <a:pPr marL="515937" indent="-514350">
@@ -7965,19 +7953,7 @@
             </a:pPr>
             <a:r>
               <a:rPr lang="en-US" altLang="en-US" dirty="0" smtClean="0"/>
-              <a:t>Long </a:t>
-            </a:r>
-            <a:r>
-              <a:rPr lang="en-US" altLang="en-US" dirty="0" smtClean="0"/>
-              <a:t>time firing </a:t>
-            </a:r>
-            <a:r>
-              <a:rPr lang="en-US" altLang="en-US" dirty="0" smtClean="0"/>
-              <a:t>timers, </a:t>
-            </a:r>
-            <a:r>
-              <a:rPr lang="en-US" altLang="en-US" dirty="0" smtClean="0"/>
-              <a:t>that continually triggers at set intervals</a:t>
+              <a:t>Long time firing timers, that continually triggers at set intervals</a:t>
             </a:r>
           </a:p>
         </p:txBody>
@@ -11898,6 +11874,238 @@
           <a:p>
             <a:r>
               <a:rPr lang="en-GB" dirty="0" smtClean="0"/>
+              <a:t>Other Events</a:t>
+            </a:r>
+            <a:endParaRPr lang="en-GB" dirty="0"/>
+          </a:p>
+        </p:txBody>
+      </p:sp>
+      <p:sp>
+        <p:nvSpPr>
+          <p:cNvPr id="3" name="Content Placeholder 2"/>
+          <p:cNvSpPr>
+            <a:spLocks noGrp="1"/>
+          </p:cNvSpPr>
+          <p:nvPr>
+            <p:ph idx="1"/>
+          </p:nvPr>
+        </p:nvSpPr>
+        <p:spPr/>
+        <p:txBody>
+          <a:bodyPr/>
+          <a:lstStyle/>
+          <a:p>
+            <a:r>
+              <a:rPr lang="en-GB" sz="2000" dirty="0" smtClean="0"/>
+              <a:t>Other events for </a:t>
+            </a:r>
+            <a:r>
+              <a:rPr lang="en-GB" sz="2000" b="1" dirty="0" smtClean="0">
+                <a:solidFill>
+                  <a:srgbClr val="FF0000"/>
+                </a:solidFill>
+              </a:rPr>
+              <a:t>you</a:t>
+            </a:r>
+            <a:r>
+              <a:rPr lang="en-GB" sz="2000" dirty="0" smtClean="0"/>
+              <a:t> to investigate and try out:</a:t>
+            </a:r>
+          </a:p>
+          <a:p>
+            <a:endParaRPr lang="en-GB" sz="2000" dirty="0"/>
+          </a:p>
+          <a:p>
+            <a:pPr marL="0" indent="0">
+              <a:buNone/>
+            </a:pPr>
+            <a:r>
+              <a:rPr lang="en-GB" sz="2000" dirty="0" err="1" smtClean="0"/>
+              <a:t>document.addEventListener</a:t>
+            </a:r>
+            <a:r>
+              <a:rPr lang="en-GB" sz="2000" dirty="0"/>
+              <a:t>('</a:t>
+            </a:r>
+            <a:r>
+              <a:rPr lang="en-GB" sz="2000" dirty="0" err="1"/>
+              <a:t>mousedown</a:t>
+            </a:r>
+            <a:r>
+              <a:rPr lang="en-GB" sz="2000" dirty="0"/>
+              <a:t>',</a:t>
+            </a:r>
+            <a:r>
+              <a:rPr lang="en-GB" sz="2000" dirty="0" err="1"/>
+              <a:t>startDrag,false</a:t>
+            </a:r>
+            <a:r>
+              <a:rPr lang="en-GB" sz="2000" dirty="0"/>
+              <a:t>);</a:t>
+            </a:r>
+          </a:p>
+          <a:p>
+            <a:pPr marL="0" indent="0">
+              <a:buNone/>
+            </a:pPr>
+            <a:r>
+              <a:rPr lang="en-GB" sz="2000" dirty="0" err="1" smtClean="0"/>
+              <a:t>document.addEventListener</a:t>
+            </a:r>
+            <a:r>
+              <a:rPr lang="en-GB" sz="2000" dirty="0"/>
+              <a:t>('</a:t>
+            </a:r>
+            <a:r>
+              <a:rPr lang="en-GB" sz="2000" dirty="0" err="1"/>
+              <a:t>mousemove</a:t>
+            </a:r>
+            <a:r>
+              <a:rPr lang="en-GB" sz="2000" dirty="0"/>
+              <a:t>',</a:t>
+            </a:r>
+            <a:r>
+              <a:rPr lang="en-GB" sz="2000" dirty="0" err="1"/>
+              <a:t>drag,false</a:t>
+            </a:r>
+            <a:r>
+              <a:rPr lang="en-GB" sz="2000" dirty="0"/>
+              <a:t>);</a:t>
+            </a:r>
+          </a:p>
+          <a:p>
+            <a:pPr marL="0" indent="0">
+              <a:buNone/>
+            </a:pPr>
+            <a:r>
+              <a:rPr lang="en-GB" sz="2000" dirty="0" err="1" smtClean="0"/>
+              <a:t>document.addEventListener</a:t>
+            </a:r>
+            <a:r>
+              <a:rPr lang="en-GB" sz="2000" dirty="0"/>
+              <a:t>('</a:t>
+            </a:r>
+            <a:r>
+              <a:rPr lang="en-GB" sz="2000" dirty="0" err="1"/>
+              <a:t>mouseup</a:t>
+            </a:r>
+            <a:r>
+              <a:rPr lang="en-GB" sz="2000" dirty="0"/>
+              <a:t>',</a:t>
+            </a:r>
+            <a:r>
+              <a:rPr lang="en-GB" sz="2000" dirty="0" err="1"/>
+              <a:t>stopDrag,false</a:t>
+            </a:r>
+            <a:r>
+              <a:rPr lang="en-GB" sz="2000" dirty="0" smtClean="0"/>
+              <a:t>);</a:t>
+            </a:r>
+          </a:p>
+          <a:p>
+            <a:pPr marL="0" indent="0">
+              <a:buNone/>
+            </a:pPr>
+            <a:r>
+              <a:rPr lang="en-GB" sz="2000" dirty="0" err="1"/>
+              <a:t>document.addEventListener</a:t>
+            </a:r>
+            <a:r>
+              <a:rPr lang="en-GB" sz="2000" dirty="0"/>
+              <a:t>("</a:t>
+            </a:r>
+            <a:r>
+              <a:rPr lang="en-GB" sz="2000" dirty="0" smtClean="0"/>
+              <a:t>click“, </a:t>
+            </a:r>
+            <a:r>
+              <a:rPr lang="en-GB" sz="2000" dirty="0" err="1" smtClean="0"/>
+              <a:t>mouseClick</a:t>
+            </a:r>
+            <a:r>
+              <a:rPr lang="en-GB" sz="2000" dirty="0" smtClean="0"/>
+              <a:t>, false);</a:t>
+            </a:r>
+          </a:p>
+          <a:p>
+            <a:pPr marL="0" indent="0">
+              <a:buNone/>
+            </a:pPr>
+            <a:r>
+              <a:rPr lang="en-GB" sz="2000" dirty="0" err="1"/>
+              <a:t>document.addEventListener</a:t>
+            </a:r>
+            <a:r>
+              <a:rPr lang="en-GB" sz="2000" dirty="0"/>
+              <a:t>("</a:t>
+            </a:r>
+            <a:r>
+              <a:rPr lang="en-GB" sz="2000" dirty="0" err="1"/>
+              <a:t>mouseover</a:t>
+            </a:r>
+            <a:r>
+              <a:rPr lang="en-GB" sz="2000" dirty="0"/>
+              <a:t>", </a:t>
+            </a:r>
+            <a:r>
+              <a:rPr lang="en-GB" sz="2000" dirty="0" err="1" smtClean="0"/>
+              <a:t>overFunction</a:t>
+            </a:r>
+            <a:r>
+              <a:rPr lang="en-GB" sz="2000" dirty="0"/>
+              <a:t>);</a:t>
+            </a:r>
+            <a:endParaRPr lang="en-GB" sz="2000" dirty="0"/>
+          </a:p>
+        </p:txBody>
+      </p:sp>
+    </p:spTree>
+    <p:extLst>
+      <p:ext uri="{BB962C8B-B14F-4D97-AF65-F5344CB8AC3E}">
+        <p14:creationId xmlns:p14="http://schemas.microsoft.com/office/powerpoint/2010/main" val="1825214405"/>
+      </p:ext>
+    </p:extLst>
+  </p:cSld>
+  <p:clrMapOvr>
+    <a:masterClrMapping/>
+  </p:clrMapOvr>
+</p:sld>
+</file>
+
+<file path=ppt/slides/slide33.xml><?xml version="1.0" encoding="utf-8"?>
+<p:sld xmlns:a="http://schemas.openxmlformats.org/drawingml/2006/main" xmlns:r="http://schemas.openxmlformats.org/officeDocument/2006/relationships" xmlns:p="http://schemas.openxmlformats.org/presentationml/2006/main">
+  <p:cSld>
+    <p:spTree>
+      <p:nvGrpSpPr>
+        <p:cNvPr id="1" name=""/>
+        <p:cNvGrpSpPr/>
+        <p:nvPr/>
+      </p:nvGrpSpPr>
+      <p:grpSpPr>
+        <a:xfrm>
+          <a:off x="0" y="0"/>
+          <a:ext cx="0" cy="0"/>
+          <a:chOff x="0" y="0"/>
+          <a:chExt cx="0" cy="0"/>
+        </a:xfrm>
+      </p:grpSpPr>
+      <p:sp>
+        <p:nvSpPr>
+          <p:cNvPr id="2" name="Title 1"/>
+          <p:cNvSpPr>
+            <a:spLocks noGrp="1"/>
+          </p:cNvSpPr>
+          <p:nvPr>
+            <p:ph type="title"/>
+          </p:nvPr>
+        </p:nvSpPr>
+        <p:spPr/>
+        <p:txBody>
+          <a:bodyPr/>
+          <a:lstStyle/>
+          <a:p>
+            <a:r>
+              <a:rPr lang="en-GB" dirty="0" smtClean="0"/>
               <a:t>Run Locally</a:t>
             </a:r>
             <a:endParaRPr lang="en-GB" dirty="0"/>
@@ -11970,7 +12178,7 @@
 </p:sld>
 </file>
 
-<file path=ppt/slides/slide33.xml><?xml version="1.0" encoding="utf-8"?>
+<file path=ppt/slides/slide34.xml><?xml version="1.0" encoding="utf-8"?>
 <p:sld xmlns:a="http://schemas.openxmlformats.org/drawingml/2006/main" xmlns:r="http://schemas.openxmlformats.org/officeDocument/2006/relationships" xmlns:p="http://schemas.openxmlformats.org/presentationml/2006/main">
   <p:cSld>
     <p:spTree>
@@ -12080,7 +12288,7 @@
 </p:sld>
 </file>
 
-<file path=ppt/slides/slide34.xml><?xml version="1.0" encoding="utf-8"?>
+<file path=ppt/slides/slide35.xml><?xml version="1.0" encoding="utf-8"?>
 <p:sld xmlns:a="http://schemas.openxmlformats.org/drawingml/2006/main" xmlns:r="http://schemas.openxmlformats.org/officeDocument/2006/relationships" xmlns:p="http://schemas.openxmlformats.org/presentationml/2006/main">
   <p:cSld>
     <p:spTree>
@@ -12179,7 +12387,7 @@
 </p:sld>
 </file>
 
-<file path=ppt/slides/slide35.xml><?xml version="1.0" encoding="utf-8"?>
+<file path=ppt/slides/slide36.xml><?xml version="1.0" encoding="utf-8"?>
 <p:sld xmlns:a="http://schemas.openxmlformats.org/drawingml/2006/main" xmlns:r="http://schemas.openxmlformats.org/officeDocument/2006/relationships" xmlns:p="http://schemas.openxmlformats.org/presentationml/2006/main">
   <p:cSld>
     <p:spTree>
@@ -12278,7 +12486,7 @@
 </p:sld>
 </file>
 
-<file path=ppt/slides/slide36.xml><?xml version="1.0" encoding="utf-8"?>
+<file path=ppt/slides/slide37.xml><?xml version="1.0" encoding="utf-8"?>
 <p:sld xmlns:a="http://schemas.openxmlformats.org/drawingml/2006/main" xmlns:r="http://schemas.openxmlformats.org/officeDocument/2006/relationships" xmlns:p="http://schemas.openxmlformats.org/presentationml/2006/main">
   <p:cSld>
     <p:spTree>
@@ -12377,7 +12585,7 @@
 </p:sld>
 </file>
 
-<file path=ppt/slides/slide37.xml><?xml version="1.0" encoding="utf-8"?>
+<file path=ppt/slides/slide38.xml><?xml version="1.0" encoding="utf-8"?>
 <p:sld xmlns:a="http://schemas.openxmlformats.org/drawingml/2006/main" xmlns:r="http://schemas.openxmlformats.org/officeDocument/2006/relationships" xmlns:p="http://schemas.openxmlformats.org/presentationml/2006/main">
   <p:cSld>
     <p:spTree>
@@ -12476,7 +12684,7 @@
 </p:sld>
 </file>
 
-<file path=ppt/slides/slide38.xml><?xml version="1.0" encoding="utf-8"?>
+<file path=ppt/slides/slide39.xml><?xml version="1.0" encoding="utf-8"?>
 <p:sld xmlns:a="http://schemas.openxmlformats.org/drawingml/2006/main" xmlns:r="http://schemas.openxmlformats.org/officeDocument/2006/relationships" xmlns:p="http://schemas.openxmlformats.org/presentationml/2006/main">
   <p:cSld>
     <p:spTree>
@@ -13482,891 +13690,6 @@
               </a:solidFill>
               <a:latin typeface="Arial" panose="020B0604020202020204" pitchFamily="34" charset="0"/>
             </a:endParaRPr>
-          </a:p>
-        </p:txBody>
-      </p:sp>
-    </p:spTree>
-  </p:cSld>
-  <p:clrMapOvr>
-    <a:masterClrMapping/>
-  </p:clrMapOvr>
-  <p:transition spd="med"/>
-  <p:timing>
-    <p:tnLst>
-      <p:par>
-        <p:cTn id="1" dur="indefinite" restart="never" nodeType="tmRoot">
-          <p:childTnLst>
-            <p:seq concurrent="1" nextAc="seek">
-              <p:cTn id="2" dur="indefinite" nodeType="mainSeq"/>
-              <p:prevCondLst>
-                <p:cond evt="onPrev" delay="0">
-                  <p:tgtEl>
-                    <p:sldTgt/>
-                  </p:tgtEl>
-                </p:cond>
-              </p:prevCondLst>
-              <p:nextCondLst>
-                <p:cond evt="onNext" delay="0">
-                  <p:tgtEl>
-                    <p:sldTgt/>
-                  </p:tgtEl>
-                </p:cond>
-              </p:nextCondLst>
-            </p:seq>
-          </p:childTnLst>
-        </p:cTn>
-      </p:par>
-    </p:tnLst>
-  </p:timing>
-</p:sld>
-</file>
-
-<file path=ppt/slides/slide39.xml><?xml version="1.0" encoding="utf-8"?>
-<p:sld xmlns:a="http://schemas.openxmlformats.org/drawingml/2006/main" xmlns:r="http://schemas.openxmlformats.org/officeDocument/2006/relationships" xmlns:p="http://schemas.openxmlformats.org/presentationml/2006/main">
-  <p:cSld>
-    <p:spTree>
-      <p:nvGrpSpPr>
-        <p:cNvPr id="1" name=""/>
-        <p:cNvGrpSpPr/>
-        <p:nvPr/>
-      </p:nvGrpSpPr>
-      <p:grpSpPr>
-        <a:xfrm>
-          <a:off x="0" y="0"/>
-          <a:ext cx="0" cy="0"/>
-          <a:chOff x="0" y="0"/>
-          <a:chExt cx="0" cy="0"/>
-        </a:xfrm>
-      </p:grpSpPr>
-      <p:sp>
-        <p:nvSpPr>
-          <p:cNvPr id="16386" name="Text Box 1"/>
-          <p:cNvSpPr txBox="1">
-            <a:spLocks noChangeArrowheads="1"/>
-          </p:cNvSpPr>
-          <p:nvPr/>
-        </p:nvSpPr>
-        <p:spPr bwMode="auto">
-          <a:xfrm>
-            <a:off x="685800" y="609600"/>
-            <a:ext cx="7772400" cy="1143000"/>
-          </a:xfrm>
-          <a:prstGeom prst="rect">
-            <a:avLst/>
-          </a:prstGeom>
-          <a:noFill/>
-          <a:ln>
-            <a:noFill/>
-          </a:ln>
-          <a:extLst>
-            <a:ext uri="{909E8E84-426E-40DD-AFC4-6F175D3DCCD1}">
-              <a14:hiddenFill xmlns:a14="http://schemas.microsoft.com/office/drawing/2010/main">
-                <a:solidFill>
-                  <a:srgbClr val="FFFFFF"/>
-                </a:solidFill>
-              </a14:hiddenFill>
-            </a:ext>
-            <a:ext uri="{91240B29-F687-4F45-9708-019B960494DF}">
-              <a14:hiddenLine xmlns:a14="http://schemas.microsoft.com/office/drawing/2010/main" w="9525">
-                <a:solidFill>
-                  <a:srgbClr val="000000"/>
-                </a:solidFill>
-                <a:round/>
-                <a:headEnd/>
-                <a:tailEnd/>
-              </a14:hiddenLine>
-            </a:ext>
-          </a:extLst>
-        </p:spPr>
-        <p:txBody>
-          <a:bodyPr anchor="ctr"/>
-          <a:lstStyle>
-            <a:lvl1pPr>
-              <a:tabLst>
-                <a:tab pos="0" algn="l"/>
-                <a:tab pos="457200" algn="l"/>
-                <a:tab pos="914400" algn="l"/>
-                <a:tab pos="1371600" algn="l"/>
-                <a:tab pos="1828800" algn="l"/>
-                <a:tab pos="2286000" algn="l"/>
-                <a:tab pos="2743200" algn="l"/>
-                <a:tab pos="3200400" algn="l"/>
-                <a:tab pos="3657600" algn="l"/>
-                <a:tab pos="4114800" algn="l"/>
-                <a:tab pos="4572000" algn="l"/>
-                <a:tab pos="5029200" algn="l"/>
-                <a:tab pos="5486400" algn="l"/>
-                <a:tab pos="5943600" algn="l"/>
-                <a:tab pos="6400800" algn="l"/>
-                <a:tab pos="6858000" algn="l"/>
-                <a:tab pos="7315200" algn="l"/>
-                <a:tab pos="7772400" algn="l"/>
-                <a:tab pos="8229600" algn="l"/>
-                <a:tab pos="8686800" algn="l"/>
-                <a:tab pos="9144000" algn="l"/>
-              </a:tabLst>
-              <a:defRPr sz="2400">
-                <a:solidFill>
-                  <a:schemeClr val="tx1"/>
-                </a:solidFill>
-                <a:latin typeface="Times New Roman" panose="02020603050405020304" pitchFamily="18" charset="0"/>
-              </a:defRPr>
-            </a:lvl1pPr>
-            <a:lvl2pPr marL="742950" indent="-285750">
-              <a:tabLst>
-                <a:tab pos="0" algn="l"/>
-                <a:tab pos="457200" algn="l"/>
-                <a:tab pos="914400" algn="l"/>
-                <a:tab pos="1371600" algn="l"/>
-                <a:tab pos="1828800" algn="l"/>
-                <a:tab pos="2286000" algn="l"/>
-                <a:tab pos="2743200" algn="l"/>
-                <a:tab pos="3200400" algn="l"/>
-                <a:tab pos="3657600" algn="l"/>
-                <a:tab pos="4114800" algn="l"/>
-                <a:tab pos="4572000" algn="l"/>
-                <a:tab pos="5029200" algn="l"/>
-                <a:tab pos="5486400" algn="l"/>
-                <a:tab pos="5943600" algn="l"/>
-                <a:tab pos="6400800" algn="l"/>
-                <a:tab pos="6858000" algn="l"/>
-                <a:tab pos="7315200" algn="l"/>
-                <a:tab pos="7772400" algn="l"/>
-                <a:tab pos="8229600" algn="l"/>
-                <a:tab pos="8686800" algn="l"/>
-                <a:tab pos="9144000" algn="l"/>
-              </a:tabLst>
-              <a:defRPr sz="2400">
-                <a:solidFill>
-                  <a:schemeClr val="tx1"/>
-                </a:solidFill>
-                <a:latin typeface="Times New Roman" panose="02020603050405020304" pitchFamily="18" charset="0"/>
-              </a:defRPr>
-            </a:lvl2pPr>
-            <a:lvl3pPr marL="1143000" indent="-228600">
-              <a:tabLst>
-                <a:tab pos="0" algn="l"/>
-                <a:tab pos="457200" algn="l"/>
-                <a:tab pos="914400" algn="l"/>
-                <a:tab pos="1371600" algn="l"/>
-                <a:tab pos="1828800" algn="l"/>
-                <a:tab pos="2286000" algn="l"/>
-                <a:tab pos="2743200" algn="l"/>
-                <a:tab pos="3200400" algn="l"/>
-                <a:tab pos="3657600" algn="l"/>
-                <a:tab pos="4114800" algn="l"/>
-                <a:tab pos="4572000" algn="l"/>
-                <a:tab pos="5029200" algn="l"/>
-                <a:tab pos="5486400" algn="l"/>
-                <a:tab pos="5943600" algn="l"/>
-                <a:tab pos="6400800" algn="l"/>
-                <a:tab pos="6858000" algn="l"/>
-                <a:tab pos="7315200" algn="l"/>
-                <a:tab pos="7772400" algn="l"/>
-                <a:tab pos="8229600" algn="l"/>
-                <a:tab pos="8686800" algn="l"/>
-                <a:tab pos="9144000" algn="l"/>
-              </a:tabLst>
-              <a:defRPr sz="2400">
-                <a:solidFill>
-                  <a:schemeClr val="tx1"/>
-                </a:solidFill>
-                <a:latin typeface="Times New Roman" panose="02020603050405020304" pitchFamily="18" charset="0"/>
-              </a:defRPr>
-            </a:lvl3pPr>
-            <a:lvl4pPr marL="1600200" indent="-228600">
-              <a:tabLst>
-                <a:tab pos="0" algn="l"/>
-                <a:tab pos="457200" algn="l"/>
-                <a:tab pos="914400" algn="l"/>
-                <a:tab pos="1371600" algn="l"/>
-                <a:tab pos="1828800" algn="l"/>
-                <a:tab pos="2286000" algn="l"/>
-                <a:tab pos="2743200" algn="l"/>
-                <a:tab pos="3200400" algn="l"/>
-                <a:tab pos="3657600" algn="l"/>
-                <a:tab pos="4114800" algn="l"/>
-                <a:tab pos="4572000" algn="l"/>
-                <a:tab pos="5029200" algn="l"/>
-                <a:tab pos="5486400" algn="l"/>
-                <a:tab pos="5943600" algn="l"/>
-                <a:tab pos="6400800" algn="l"/>
-                <a:tab pos="6858000" algn="l"/>
-                <a:tab pos="7315200" algn="l"/>
-                <a:tab pos="7772400" algn="l"/>
-                <a:tab pos="8229600" algn="l"/>
-                <a:tab pos="8686800" algn="l"/>
-                <a:tab pos="9144000" algn="l"/>
-              </a:tabLst>
-              <a:defRPr sz="2400">
-                <a:solidFill>
-                  <a:schemeClr val="tx1"/>
-                </a:solidFill>
-                <a:latin typeface="Times New Roman" panose="02020603050405020304" pitchFamily="18" charset="0"/>
-              </a:defRPr>
-            </a:lvl4pPr>
-            <a:lvl5pPr marL="2057400" indent="-228600">
-              <a:tabLst>
-                <a:tab pos="0" algn="l"/>
-                <a:tab pos="457200" algn="l"/>
-                <a:tab pos="914400" algn="l"/>
-                <a:tab pos="1371600" algn="l"/>
-                <a:tab pos="1828800" algn="l"/>
-                <a:tab pos="2286000" algn="l"/>
-                <a:tab pos="2743200" algn="l"/>
-                <a:tab pos="3200400" algn="l"/>
-                <a:tab pos="3657600" algn="l"/>
-                <a:tab pos="4114800" algn="l"/>
-                <a:tab pos="4572000" algn="l"/>
-                <a:tab pos="5029200" algn="l"/>
-                <a:tab pos="5486400" algn="l"/>
-                <a:tab pos="5943600" algn="l"/>
-                <a:tab pos="6400800" algn="l"/>
-                <a:tab pos="6858000" algn="l"/>
-                <a:tab pos="7315200" algn="l"/>
-                <a:tab pos="7772400" algn="l"/>
-                <a:tab pos="8229600" algn="l"/>
-                <a:tab pos="8686800" algn="l"/>
-                <a:tab pos="9144000" algn="l"/>
-              </a:tabLst>
-              <a:defRPr sz="2400">
-                <a:solidFill>
-                  <a:schemeClr val="tx1"/>
-                </a:solidFill>
-                <a:latin typeface="Times New Roman" panose="02020603050405020304" pitchFamily="18" charset="0"/>
-              </a:defRPr>
-            </a:lvl5pPr>
-            <a:lvl6pPr marL="2514600" indent="-228600" eaLnBrk="0" fontAlgn="base" hangingPunct="0">
-              <a:spcBef>
-                <a:spcPct val="0"/>
-              </a:spcBef>
-              <a:spcAft>
-                <a:spcPct val="0"/>
-              </a:spcAft>
-              <a:tabLst>
-                <a:tab pos="0" algn="l"/>
-                <a:tab pos="457200" algn="l"/>
-                <a:tab pos="914400" algn="l"/>
-                <a:tab pos="1371600" algn="l"/>
-                <a:tab pos="1828800" algn="l"/>
-                <a:tab pos="2286000" algn="l"/>
-                <a:tab pos="2743200" algn="l"/>
-                <a:tab pos="3200400" algn="l"/>
-                <a:tab pos="3657600" algn="l"/>
-                <a:tab pos="4114800" algn="l"/>
-                <a:tab pos="4572000" algn="l"/>
-                <a:tab pos="5029200" algn="l"/>
-                <a:tab pos="5486400" algn="l"/>
-                <a:tab pos="5943600" algn="l"/>
-                <a:tab pos="6400800" algn="l"/>
-                <a:tab pos="6858000" algn="l"/>
-                <a:tab pos="7315200" algn="l"/>
-                <a:tab pos="7772400" algn="l"/>
-                <a:tab pos="8229600" algn="l"/>
-                <a:tab pos="8686800" algn="l"/>
-                <a:tab pos="9144000" algn="l"/>
-              </a:tabLst>
-              <a:defRPr sz="2400">
-                <a:solidFill>
-                  <a:schemeClr val="tx1"/>
-                </a:solidFill>
-                <a:latin typeface="Times New Roman" panose="02020603050405020304" pitchFamily="18" charset="0"/>
-              </a:defRPr>
-            </a:lvl6pPr>
-            <a:lvl7pPr marL="2971800" indent="-228600" eaLnBrk="0" fontAlgn="base" hangingPunct="0">
-              <a:spcBef>
-                <a:spcPct val="0"/>
-              </a:spcBef>
-              <a:spcAft>
-                <a:spcPct val="0"/>
-              </a:spcAft>
-              <a:tabLst>
-                <a:tab pos="0" algn="l"/>
-                <a:tab pos="457200" algn="l"/>
-                <a:tab pos="914400" algn="l"/>
-                <a:tab pos="1371600" algn="l"/>
-                <a:tab pos="1828800" algn="l"/>
-                <a:tab pos="2286000" algn="l"/>
-                <a:tab pos="2743200" algn="l"/>
-                <a:tab pos="3200400" algn="l"/>
-                <a:tab pos="3657600" algn="l"/>
-                <a:tab pos="4114800" algn="l"/>
-                <a:tab pos="4572000" algn="l"/>
-                <a:tab pos="5029200" algn="l"/>
-                <a:tab pos="5486400" algn="l"/>
-                <a:tab pos="5943600" algn="l"/>
-                <a:tab pos="6400800" algn="l"/>
-                <a:tab pos="6858000" algn="l"/>
-                <a:tab pos="7315200" algn="l"/>
-                <a:tab pos="7772400" algn="l"/>
-                <a:tab pos="8229600" algn="l"/>
-                <a:tab pos="8686800" algn="l"/>
-                <a:tab pos="9144000" algn="l"/>
-              </a:tabLst>
-              <a:defRPr sz="2400">
-                <a:solidFill>
-                  <a:schemeClr val="tx1"/>
-                </a:solidFill>
-                <a:latin typeface="Times New Roman" panose="02020603050405020304" pitchFamily="18" charset="0"/>
-              </a:defRPr>
-            </a:lvl7pPr>
-            <a:lvl8pPr marL="3429000" indent="-228600" eaLnBrk="0" fontAlgn="base" hangingPunct="0">
-              <a:spcBef>
-                <a:spcPct val="0"/>
-              </a:spcBef>
-              <a:spcAft>
-                <a:spcPct val="0"/>
-              </a:spcAft>
-              <a:tabLst>
-                <a:tab pos="0" algn="l"/>
-                <a:tab pos="457200" algn="l"/>
-                <a:tab pos="914400" algn="l"/>
-                <a:tab pos="1371600" algn="l"/>
-                <a:tab pos="1828800" algn="l"/>
-                <a:tab pos="2286000" algn="l"/>
-                <a:tab pos="2743200" algn="l"/>
-                <a:tab pos="3200400" algn="l"/>
-                <a:tab pos="3657600" algn="l"/>
-                <a:tab pos="4114800" algn="l"/>
-                <a:tab pos="4572000" algn="l"/>
-                <a:tab pos="5029200" algn="l"/>
-                <a:tab pos="5486400" algn="l"/>
-                <a:tab pos="5943600" algn="l"/>
-                <a:tab pos="6400800" algn="l"/>
-                <a:tab pos="6858000" algn="l"/>
-                <a:tab pos="7315200" algn="l"/>
-                <a:tab pos="7772400" algn="l"/>
-                <a:tab pos="8229600" algn="l"/>
-                <a:tab pos="8686800" algn="l"/>
-                <a:tab pos="9144000" algn="l"/>
-              </a:tabLst>
-              <a:defRPr sz="2400">
-                <a:solidFill>
-                  <a:schemeClr val="tx1"/>
-                </a:solidFill>
-                <a:latin typeface="Times New Roman" panose="02020603050405020304" pitchFamily="18" charset="0"/>
-              </a:defRPr>
-            </a:lvl8pPr>
-            <a:lvl9pPr marL="3886200" indent="-228600" eaLnBrk="0" fontAlgn="base" hangingPunct="0">
-              <a:spcBef>
-                <a:spcPct val="0"/>
-              </a:spcBef>
-              <a:spcAft>
-                <a:spcPct val="0"/>
-              </a:spcAft>
-              <a:tabLst>
-                <a:tab pos="0" algn="l"/>
-                <a:tab pos="457200" algn="l"/>
-                <a:tab pos="914400" algn="l"/>
-                <a:tab pos="1371600" algn="l"/>
-                <a:tab pos="1828800" algn="l"/>
-                <a:tab pos="2286000" algn="l"/>
-                <a:tab pos="2743200" algn="l"/>
-                <a:tab pos="3200400" algn="l"/>
-                <a:tab pos="3657600" algn="l"/>
-                <a:tab pos="4114800" algn="l"/>
-                <a:tab pos="4572000" algn="l"/>
-                <a:tab pos="5029200" algn="l"/>
-                <a:tab pos="5486400" algn="l"/>
-                <a:tab pos="5943600" algn="l"/>
-                <a:tab pos="6400800" algn="l"/>
-                <a:tab pos="6858000" algn="l"/>
-                <a:tab pos="7315200" algn="l"/>
-                <a:tab pos="7772400" algn="l"/>
-                <a:tab pos="8229600" algn="l"/>
-                <a:tab pos="8686800" algn="l"/>
-                <a:tab pos="9144000" algn="l"/>
-              </a:tabLst>
-              <a:defRPr sz="2400">
-                <a:solidFill>
-                  <a:schemeClr val="tx1"/>
-                </a:solidFill>
-                <a:latin typeface="Times New Roman" panose="02020603050405020304" pitchFamily="18" charset="0"/>
-              </a:defRPr>
-            </a:lvl9pPr>
-          </a:lstStyle>
-          <a:p>
-            <a:pPr algn="ctr"/>
-            <a:r>
-              <a:rPr lang="en-GB" altLang="en-US" sz="4400">
-                <a:solidFill>
-                  <a:srgbClr val="000000"/>
-                </a:solidFill>
-                <a:latin typeface="Arial" panose="020B0604020202020204" pitchFamily="34" charset="0"/>
-              </a:rPr>
-              <a:t>Summary</a:t>
-            </a:r>
-          </a:p>
-        </p:txBody>
-      </p:sp>
-      <p:sp>
-        <p:nvSpPr>
-          <p:cNvPr id="16387" name="Text Box 2"/>
-          <p:cNvSpPr txBox="1">
-            <a:spLocks noChangeArrowheads="1"/>
-          </p:cNvSpPr>
-          <p:nvPr/>
-        </p:nvSpPr>
-        <p:spPr bwMode="auto">
-          <a:xfrm>
-            <a:off x="685800" y="1981200"/>
-            <a:ext cx="7772400" cy="4114800"/>
-          </a:xfrm>
-          <a:prstGeom prst="rect">
-            <a:avLst/>
-          </a:prstGeom>
-          <a:noFill/>
-          <a:ln>
-            <a:noFill/>
-          </a:ln>
-          <a:extLst>
-            <a:ext uri="{909E8E84-426E-40DD-AFC4-6F175D3DCCD1}">
-              <a14:hiddenFill xmlns:a14="http://schemas.microsoft.com/office/drawing/2010/main">
-                <a:solidFill>
-                  <a:srgbClr val="FFFFFF"/>
-                </a:solidFill>
-              </a14:hiddenFill>
-            </a:ext>
-            <a:ext uri="{91240B29-F687-4F45-9708-019B960494DF}">
-              <a14:hiddenLine xmlns:a14="http://schemas.microsoft.com/office/drawing/2010/main" w="9525">
-                <a:solidFill>
-                  <a:srgbClr val="000000"/>
-                </a:solidFill>
-                <a:round/>
-                <a:headEnd/>
-                <a:tailEnd/>
-              </a14:hiddenLine>
-            </a:ext>
-          </a:extLst>
-        </p:spPr>
-        <p:txBody>
-          <a:bodyPr/>
-          <a:lstStyle>
-            <a:lvl1pPr marL="339725" indent="-339725">
-              <a:tabLst>
-                <a:tab pos="339725" algn="l"/>
-                <a:tab pos="796925" algn="l"/>
-                <a:tab pos="1254125" algn="l"/>
-                <a:tab pos="1711325" algn="l"/>
-                <a:tab pos="2168525" algn="l"/>
-                <a:tab pos="2625725" algn="l"/>
-                <a:tab pos="3082925" algn="l"/>
-                <a:tab pos="3540125" algn="l"/>
-                <a:tab pos="3997325" algn="l"/>
-                <a:tab pos="4454525" algn="l"/>
-                <a:tab pos="4911725" algn="l"/>
-                <a:tab pos="5368925" algn="l"/>
-                <a:tab pos="5826125" algn="l"/>
-                <a:tab pos="6283325" algn="l"/>
-                <a:tab pos="6740525" algn="l"/>
-                <a:tab pos="7197725" algn="l"/>
-                <a:tab pos="7654925" algn="l"/>
-                <a:tab pos="8112125" algn="l"/>
-                <a:tab pos="8569325" algn="l"/>
-                <a:tab pos="9026525" algn="l"/>
-                <a:tab pos="9483725" algn="l"/>
-              </a:tabLst>
-              <a:defRPr sz="2400">
-                <a:solidFill>
-                  <a:schemeClr val="tx1"/>
-                </a:solidFill>
-                <a:latin typeface="Times New Roman" panose="02020603050405020304" pitchFamily="18" charset="0"/>
-              </a:defRPr>
-            </a:lvl1pPr>
-            <a:lvl2pPr marL="742950" indent="-285750">
-              <a:tabLst>
-                <a:tab pos="339725" algn="l"/>
-                <a:tab pos="796925" algn="l"/>
-                <a:tab pos="1254125" algn="l"/>
-                <a:tab pos="1711325" algn="l"/>
-                <a:tab pos="2168525" algn="l"/>
-                <a:tab pos="2625725" algn="l"/>
-                <a:tab pos="3082925" algn="l"/>
-                <a:tab pos="3540125" algn="l"/>
-                <a:tab pos="3997325" algn="l"/>
-                <a:tab pos="4454525" algn="l"/>
-                <a:tab pos="4911725" algn="l"/>
-                <a:tab pos="5368925" algn="l"/>
-                <a:tab pos="5826125" algn="l"/>
-                <a:tab pos="6283325" algn="l"/>
-                <a:tab pos="6740525" algn="l"/>
-                <a:tab pos="7197725" algn="l"/>
-                <a:tab pos="7654925" algn="l"/>
-                <a:tab pos="8112125" algn="l"/>
-                <a:tab pos="8569325" algn="l"/>
-                <a:tab pos="9026525" algn="l"/>
-                <a:tab pos="9483725" algn="l"/>
-              </a:tabLst>
-              <a:defRPr sz="2400">
-                <a:solidFill>
-                  <a:schemeClr val="tx1"/>
-                </a:solidFill>
-                <a:latin typeface="Times New Roman" panose="02020603050405020304" pitchFamily="18" charset="0"/>
-              </a:defRPr>
-            </a:lvl2pPr>
-            <a:lvl3pPr marL="1143000" indent="-228600">
-              <a:tabLst>
-                <a:tab pos="339725" algn="l"/>
-                <a:tab pos="796925" algn="l"/>
-                <a:tab pos="1254125" algn="l"/>
-                <a:tab pos="1711325" algn="l"/>
-                <a:tab pos="2168525" algn="l"/>
-                <a:tab pos="2625725" algn="l"/>
-                <a:tab pos="3082925" algn="l"/>
-                <a:tab pos="3540125" algn="l"/>
-                <a:tab pos="3997325" algn="l"/>
-                <a:tab pos="4454525" algn="l"/>
-                <a:tab pos="4911725" algn="l"/>
-                <a:tab pos="5368925" algn="l"/>
-                <a:tab pos="5826125" algn="l"/>
-                <a:tab pos="6283325" algn="l"/>
-                <a:tab pos="6740525" algn="l"/>
-                <a:tab pos="7197725" algn="l"/>
-                <a:tab pos="7654925" algn="l"/>
-                <a:tab pos="8112125" algn="l"/>
-                <a:tab pos="8569325" algn="l"/>
-                <a:tab pos="9026525" algn="l"/>
-                <a:tab pos="9483725" algn="l"/>
-              </a:tabLst>
-              <a:defRPr sz="2400">
-                <a:solidFill>
-                  <a:schemeClr val="tx1"/>
-                </a:solidFill>
-                <a:latin typeface="Times New Roman" panose="02020603050405020304" pitchFamily="18" charset="0"/>
-              </a:defRPr>
-            </a:lvl3pPr>
-            <a:lvl4pPr marL="1600200" indent="-228600">
-              <a:tabLst>
-                <a:tab pos="339725" algn="l"/>
-                <a:tab pos="796925" algn="l"/>
-                <a:tab pos="1254125" algn="l"/>
-                <a:tab pos="1711325" algn="l"/>
-                <a:tab pos="2168525" algn="l"/>
-                <a:tab pos="2625725" algn="l"/>
-                <a:tab pos="3082925" algn="l"/>
-                <a:tab pos="3540125" algn="l"/>
-                <a:tab pos="3997325" algn="l"/>
-                <a:tab pos="4454525" algn="l"/>
-                <a:tab pos="4911725" algn="l"/>
-                <a:tab pos="5368925" algn="l"/>
-                <a:tab pos="5826125" algn="l"/>
-                <a:tab pos="6283325" algn="l"/>
-                <a:tab pos="6740525" algn="l"/>
-                <a:tab pos="7197725" algn="l"/>
-                <a:tab pos="7654925" algn="l"/>
-                <a:tab pos="8112125" algn="l"/>
-                <a:tab pos="8569325" algn="l"/>
-                <a:tab pos="9026525" algn="l"/>
-                <a:tab pos="9483725" algn="l"/>
-              </a:tabLst>
-              <a:defRPr sz="2400">
-                <a:solidFill>
-                  <a:schemeClr val="tx1"/>
-                </a:solidFill>
-                <a:latin typeface="Times New Roman" panose="02020603050405020304" pitchFamily="18" charset="0"/>
-              </a:defRPr>
-            </a:lvl4pPr>
-            <a:lvl5pPr marL="2057400" indent="-228600">
-              <a:tabLst>
-                <a:tab pos="339725" algn="l"/>
-                <a:tab pos="796925" algn="l"/>
-                <a:tab pos="1254125" algn="l"/>
-                <a:tab pos="1711325" algn="l"/>
-                <a:tab pos="2168525" algn="l"/>
-                <a:tab pos="2625725" algn="l"/>
-                <a:tab pos="3082925" algn="l"/>
-                <a:tab pos="3540125" algn="l"/>
-                <a:tab pos="3997325" algn="l"/>
-                <a:tab pos="4454525" algn="l"/>
-                <a:tab pos="4911725" algn="l"/>
-                <a:tab pos="5368925" algn="l"/>
-                <a:tab pos="5826125" algn="l"/>
-                <a:tab pos="6283325" algn="l"/>
-                <a:tab pos="6740525" algn="l"/>
-                <a:tab pos="7197725" algn="l"/>
-                <a:tab pos="7654925" algn="l"/>
-                <a:tab pos="8112125" algn="l"/>
-                <a:tab pos="8569325" algn="l"/>
-                <a:tab pos="9026525" algn="l"/>
-                <a:tab pos="9483725" algn="l"/>
-              </a:tabLst>
-              <a:defRPr sz="2400">
-                <a:solidFill>
-                  <a:schemeClr val="tx1"/>
-                </a:solidFill>
-                <a:latin typeface="Times New Roman" panose="02020603050405020304" pitchFamily="18" charset="0"/>
-              </a:defRPr>
-            </a:lvl5pPr>
-            <a:lvl6pPr marL="2514600" indent="-228600" eaLnBrk="0" fontAlgn="base" hangingPunct="0">
-              <a:spcBef>
-                <a:spcPct val="0"/>
-              </a:spcBef>
-              <a:spcAft>
-                <a:spcPct val="0"/>
-              </a:spcAft>
-              <a:tabLst>
-                <a:tab pos="339725" algn="l"/>
-                <a:tab pos="796925" algn="l"/>
-                <a:tab pos="1254125" algn="l"/>
-                <a:tab pos="1711325" algn="l"/>
-                <a:tab pos="2168525" algn="l"/>
-                <a:tab pos="2625725" algn="l"/>
-                <a:tab pos="3082925" algn="l"/>
-                <a:tab pos="3540125" algn="l"/>
-                <a:tab pos="3997325" algn="l"/>
-                <a:tab pos="4454525" algn="l"/>
-                <a:tab pos="4911725" algn="l"/>
-                <a:tab pos="5368925" algn="l"/>
-                <a:tab pos="5826125" algn="l"/>
-                <a:tab pos="6283325" algn="l"/>
-                <a:tab pos="6740525" algn="l"/>
-                <a:tab pos="7197725" algn="l"/>
-                <a:tab pos="7654925" algn="l"/>
-                <a:tab pos="8112125" algn="l"/>
-                <a:tab pos="8569325" algn="l"/>
-                <a:tab pos="9026525" algn="l"/>
-                <a:tab pos="9483725" algn="l"/>
-              </a:tabLst>
-              <a:defRPr sz="2400">
-                <a:solidFill>
-                  <a:schemeClr val="tx1"/>
-                </a:solidFill>
-                <a:latin typeface="Times New Roman" panose="02020603050405020304" pitchFamily="18" charset="0"/>
-              </a:defRPr>
-            </a:lvl6pPr>
-            <a:lvl7pPr marL="2971800" indent="-228600" eaLnBrk="0" fontAlgn="base" hangingPunct="0">
-              <a:spcBef>
-                <a:spcPct val="0"/>
-              </a:spcBef>
-              <a:spcAft>
-                <a:spcPct val="0"/>
-              </a:spcAft>
-              <a:tabLst>
-                <a:tab pos="339725" algn="l"/>
-                <a:tab pos="796925" algn="l"/>
-                <a:tab pos="1254125" algn="l"/>
-                <a:tab pos="1711325" algn="l"/>
-                <a:tab pos="2168525" algn="l"/>
-                <a:tab pos="2625725" algn="l"/>
-                <a:tab pos="3082925" algn="l"/>
-                <a:tab pos="3540125" algn="l"/>
-                <a:tab pos="3997325" algn="l"/>
-                <a:tab pos="4454525" algn="l"/>
-                <a:tab pos="4911725" algn="l"/>
-                <a:tab pos="5368925" algn="l"/>
-                <a:tab pos="5826125" algn="l"/>
-                <a:tab pos="6283325" algn="l"/>
-                <a:tab pos="6740525" algn="l"/>
-                <a:tab pos="7197725" algn="l"/>
-                <a:tab pos="7654925" algn="l"/>
-                <a:tab pos="8112125" algn="l"/>
-                <a:tab pos="8569325" algn="l"/>
-                <a:tab pos="9026525" algn="l"/>
-                <a:tab pos="9483725" algn="l"/>
-              </a:tabLst>
-              <a:defRPr sz="2400">
-                <a:solidFill>
-                  <a:schemeClr val="tx1"/>
-                </a:solidFill>
-                <a:latin typeface="Times New Roman" panose="02020603050405020304" pitchFamily="18" charset="0"/>
-              </a:defRPr>
-            </a:lvl7pPr>
-            <a:lvl8pPr marL="3429000" indent="-228600" eaLnBrk="0" fontAlgn="base" hangingPunct="0">
-              <a:spcBef>
-                <a:spcPct val="0"/>
-              </a:spcBef>
-              <a:spcAft>
-                <a:spcPct val="0"/>
-              </a:spcAft>
-              <a:tabLst>
-                <a:tab pos="339725" algn="l"/>
-                <a:tab pos="796925" algn="l"/>
-                <a:tab pos="1254125" algn="l"/>
-                <a:tab pos="1711325" algn="l"/>
-                <a:tab pos="2168525" algn="l"/>
-                <a:tab pos="2625725" algn="l"/>
-                <a:tab pos="3082925" algn="l"/>
-                <a:tab pos="3540125" algn="l"/>
-                <a:tab pos="3997325" algn="l"/>
-                <a:tab pos="4454525" algn="l"/>
-                <a:tab pos="4911725" algn="l"/>
-                <a:tab pos="5368925" algn="l"/>
-                <a:tab pos="5826125" algn="l"/>
-                <a:tab pos="6283325" algn="l"/>
-                <a:tab pos="6740525" algn="l"/>
-                <a:tab pos="7197725" algn="l"/>
-                <a:tab pos="7654925" algn="l"/>
-                <a:tab pos="8112125" algn="l"/>
-                <a:tab pos="8569325" algn="l"/>
-                <a:tab pos="9026525" algn="l"/>
-                <a:tab pos="9483725" algn="l"/>
-              </a:tabLst>
-              <a:defRPr sz="2400">
-                <a:solidFill>
-                  <a:schemeClr val="tx1"/>
-                </a:solidFill>
-                <a:latin typeface="Times New Roman" panose="02020603050405020304" pitchFamily="18" charset="0"/>
-              </a:defRPr>
-            </a:lvl8pPr>
-            <a:lvl9pPr marL="3886200" indent="-228600" eaLnBrk="0" fontAlgn="base" hangingPunct="0">
-              <a:spcBef>
-                <a:spcPct val="0"/>
-              </a:spcBef>
-              <a:spcAft>
-                <a:spcPct val="0"/>
-              </a:spcAft>
-              <a:tabLst>
-                <a:tab pos="339725" algn="l"/>
-                <a:tab pos="796925" algn="l"/>
-                <a:tab pos="1254125" algn="l"/>
-                <a:tab pos="1711325" algn="l"/>
-                <a:tab pos="2168525" algn="l"/>
-                <a:tab pos="2625725" algn="l"/>
-                <a:tab pos="3082925" algn="l"/>
-                <a:tab pos="3540125" algn="l"/>
-                <a:tab pos="3997325" algn="l"/>
-                <a:tab pos="4454525" algn="l"/>
-                <a:tab pos="4911725" algn="l"/>
-                <a:tab pos="5368925" algn="l"/>
-                <a:tab pos="5826125" algn="l"/>
-                <a:tab pos="6283325" algn="l"/>
-                <a:tab pos="6740525" algn="l"/>
-                <a:tab pos="7197725" algn="l"/>
-                <a:tab pos="7654925" algn="l"/>
-                <a:tab pos="8112125" algn="l"/>
-                <a:tab pos="8569325" algn="l"/>
-                <a:tab pos="9026525" algn="l"/>
-                <a:tab pos="9483725" algn="l"/>
-              </a:tabLst>
-              <a:defRPr sz="2400">
-                <a:solidFill>
-                  <a:schemeClr val="tx1"/>
-                </a:solidFill>
-                <a:latin typeface="Times New Roman" panose="02020603050405020304" pitchFamily="18" charset="0"/>
-              </a:defRPr>
-            </a:lvl9pPr>
-          </a:lstStyle>
-          <a:p>
-            <a:pPr>
-              <a:spcBef>
-                <a:spcPts val="800"/>
-              </a:spcBef>
-              <a:buFont typeface="Times New Roman" panose="02020603050405020304" pitchFamily="18" charset="0"/>
-              <a:buBlip>
-                <a:blip r:embed="rId3"/>
-              </a:buBlip>
-            </a:pPr>
-            <a:r>
-              <a:rPr lang="en-GB" altLang="en-US" sz="3200" dirty="0">
-                <a:solidFill>
-                  <a:srgbClr val="000000"/>
-                </a:solidFill>
-                <a:latin typeface="Arial" panose="020B0604020202020204" pitchFamily="34" charset="0"/>
-              </a:rPr>
-              <a:t>Overview of </a:t>
-            </a:r>
-            <a:r>
-              <a:rPr lang="en-GB" altLang="en-US" sz="3200" dirty="0" err="1">
-                <a:solidFill>
-                  <a:srgbClr val="000000"/>
-                </a:solidFill>
-                <a:latin typeface="Arial" panose="020B0604020202020204" pitchFamily="34" charset="0"/>
-              </a:rPr>
-              <a:t>Javascript</a:t>
-            </a:r>
-            <a:r>
-              <a:rPr lang="en-GB" altLang="en-US" sz="3200" dirty="0">
-                <a:solidFill>
-                  <a:srgbClr val="000000"/>
-                </a:solidFill>
-                <a:latin typeface="Arial" panose="020B0604020202020204" pitchFamily="34" charset="0"/>
-              </a:rPr>
-              <a:t> </a:t>
-            </a:r>
-            <a:r>
-              <a:rPr lang="en-GB" altLang="en-US" sz="3200" dirty="0" smtClean="0">
-                <a:solidFill>
-                  <a:srgbClr val="000000"/>
-                </a:solidFill>
-                <a:latin typeface="Arial" panose="020B0604020202020204" pitchFamily="34" charset="0"/>
-              </a:rPr>
-              <a:t>Events</a:t>
-            </a:r>
-          </a:p>
-          <a:p>
-            <a:pPr>
-              <a:spcBef>
-                <a:spcPts val="800"/>
-              </a:spcBef>
-              <a:buFont typeface="Times New Roman" panose="02020603050405020304" pitchFamily="18" charset="0"/>
-              <a:buBlip>
-                <a:blip r:embed="rId3"/>
-              </a:buBlip>
-            </a:pPr>
-            <a:r>
-              <a:rPr lang="en-GB" altLang="en-US" sz="3200" dirty="0" err="1" smtClean="0">
-                <a:solidFill>
-                  <a:srgbClr val="000000"/>
-                </a:solidFill>
-                <a:latin typeface="Arial" panose="020B0604020202020204" pitchFamily="34" charset="0"/>
-              </a:rPr>
-              <a:t>Javascript</a:t>
-            </a:r>
-            <a:r>
-              <a:rPr lang="en-GB" altLang="en-US" sz="3200" dirty="0" smtClean="0">
-                <a:solidFill>
-                  <a:srgbClr val="000000"/>
-                </a:solidFill>
-                <a:latin typeface="Arial" panose="020B0604020202020204" pitchFamily="34" charset="0"/>
-              </a:rPr>
-              <a:t> Game</a:t>
-            </a:r>
-          </a:p>
-          <a:p>
-            <a:pPr lvl="1">
-              <a:spcBef>
-                <a:spcPts val="800"/>
-              </a:spcBef>
-              <a:buFont typeface="Times New Roman" panose="02020603050405020304" pitchFamily="18" charset="0"/>
-              <a:buBlip>
-                <a:blip r:embed="rId3"/>
-              </a:buBlip>
-            </a:pPr>
-            <a:r>
-              <a:rPr lang="en-GB" altLang="en-US" sz="3200" dirty="0" smtClean="0">
-                <a:solidFill>
-                  <a:srgbClr val="000000"/>
-                </a:solidFill>
-                <a:latin typeface="Arial" panose="020B0604020202020204" pitchFamily="34" charset="0"/>
-              </a:rPr>
-              <a:t>Interactive and Dynamic</a:t>
-            </a:r>
-            <a:endParaRPr lang="en-GB" altLang="en-US" sz="3200" dirty="0">
-              <a:solidFill>
-                <a:srgbClr val="000000"/>
-              </a:solidFill>
-              <a:latin typeface="Arial" panose="020B0604020202020204" pitchFamily="34" charset="0"/>
-            </a:endParaRPr>
-          </a:p>
-          <a:p>
-            <a:pPr>
-              <a:spcBef>
-                <a:spcPts val="800"/>
-              </a:spcBef>
-              <a:buFont typeface="Times New Roman" panose="02020603050405020304" pitchFamily="18" charset="0"/>
-              <a:buBlip>
-                <a:blip r:embed="rId3"/>
-              </a:buBlip>
-            </a:pPr>
-            <a:r>
-              <a:rPr lang="en-GB" altLang="en-US" sz="3200" dirty="0">
-                <a:solidFill>
-                  <a:srgbClr val="000000"/>
-                </a:solidFill>
-                <a:latin typeface="Arial" panose="020B0604020202020204" pitchFamily="34" charset="0"/>
-              </a:rPr>
-              <a:t>Hands-On/Practical</a:t>
-            </a:r>
           </a:p>
         </p:txBody>
       </p:sp>
@@ -14533,6 +13856,891 @@
 </file>
 
 <file path=ppt/slides/slide40.xml><?xml version="1.0" encoding="utf-8"?>
+<p:sld xmlns:a="http://schemas.openxmlformats.org/drawingml/2006/main" xmlns:r="http://schemas.openxmlformats.org/officeDocument/2006/relationships" xmlns:p="http://schemas.openxmlformats.org/presentationml/2006/main">
+  <p:cSld>
+    <p:spTree>
+      <p:nvGrpSpPr>
+        <p:cNvPr id="1" name=""/>
+        <p:cNvGrpSpPr/>
+        <p:nvPr/>
+      </p:nvGrpSpPr>
+      <p:grpSpPr>
+        <a:xfrm>
+          <a:off x="0" y="0"/>
+          <a:ext cx="0" cy="0"/>
+          <a:chOff x="0" y="0"/>
+          <a:chExt cx="0" cy="0"/>
+        </a:xfrm>
+      </p:grpSpPr>
+      <p:sp>
+        <p:nvSpPr>
+          <p:cNvPr id="16386" name="Text Box 1"/>
+          <p:cNvSpPr txBox="1">
+            <a:spLocks noChangeArrowheads="1"/>
+          </p:cNvSpPr>
+          <p:nvPr/>
+        </p:nvSpPr>
+        <p:spPr bwMode="auto">
+          <a:xfrm>
+            <a:off x="685800" y="609600"/>
+            <a:ext cx="7772400" cy="1143000"/>
+          </a:xfrm>
+          <a:prstGeom prst="rect">
+            <a:avLst/>
+          </a:prstGeom>
+          <a:noFill/>
+          <a:ln>
+            <a:noFill/>
+          </a:ln>
+          <a:extLst>
+            <a:ext uri="{909E8E84-426E-40DD-AFC4-6F175D3DCCD1}">
+              <a14:hiddenFill xmlns:a14="http://schemas.microsoft.com/office/drawing/2010/main">
+                <a:solidFill>
+                  <a:srgbClr val="FFFFFF"/>
+                </a:solidFill>
+              </a14:hiddenFill>
+            </a:ext>
+            <a:ext uri="{91240B29-F687-4F45-9708-019B960494DF}">
+              <a14:hiddenLine xmlns:a14="http://schemas.microsoft.com/office/drawing/2010/main" w="9525">
+                <a:solidFill>
+                  <a:srgbClr val="000000"/>
+                </a:solidFill>
+                <a:round/>
+                <a:headEnd/>
+                <a:tailEnd/>
+              </a14:hiddenLine>
+            </a:ext>
+          </a:extLst>
+        </p:spPr>
+        <p:txBody>
+          <a:bodyPr anchor="ctr"/>
+          <a:lstStyle>
+            <a:lvl1pPr>
+              <a:tabLst>
+                <a:tab pos="0" algn="l"/>
+                <a:tab pos="457200" algn="l"/>
+                <a:tab pos="914400" algn="l"/>
+                <a:tab pos="1371600" algn="l"/>
+                <a:tab pos="1828800" algn="l"/>
+                <a:tab pos="2286000" algn="l"/>
+                <a:tab pos="2743200" algn="l"/>
+                <a:tab pos="3200400" algn="l"/>
+                <a:tab pos="3657600" algn="l"/>
+                <a:tab pos="4114800" algn="l"/>
+                <a:tab pos="4572000" algn="l"/>
+                <a:tab pos="5029200" algn="l"/>
+                <a:tab pos="5486400" algn="l"/>
+                <a:tab pos="5943600" algn="l"/>
+                <a:tab pos="6400800" algn="l"/>
+                <a:tab pos="6858000" algn="l"/>
+                <a:tab pos="7315200" algn="l"/>
+                <a:tab pos="7772400" algn="l"/>
+                <a:tab pos="8229600" algn="l"/>
+                <a:tab pos="8686800" algn="l"/>
+                <a:tab pos="9144000" algn="l"/>
+              </a:tabLst>
+              <a:defRPr sz="2400">
+                <a:solidFill>
+                  <a:schemeClr val="tx1"/>
+                </a:solidFill>
+                <a:latin typeface="Times New Roman" panose="02020603050405020304" pitchFamily="18" charset="0"/>
+              </a:defRPr>
+            </a:lvl1pPr>
+            <a:lvl2pPr marL="742950" indent="-285750">
+              <a:tabLst>
+                <a:tab pos="0" algn="l"/>
+                <a:tab pos="457200" algn="l"/>
+                <a:tab pos="914400" algn="l"/>
+                <a:tab pos="1371600" algn="l"/>
+                <a:tab pos="1828800" algn="l"/>
+                <a:tab pos="2286000" algn="l"/>
+                <a:tab pos="2743200" algn="l"/>
+                <a:tab pos="3200400" algn="l"/>
+                <a:tab pos="3657600" algn="l"/>
+                <a:tab pos="4114800" algn="l"/>
+                <a:tab pos="4572000" algn="l"/>
+                <a:tab pos="5029200" algn="l"/>
+                <a:tab pos="5486400" algn="l"/>
+                <a:tab pos="5943600" algn="l"/>
+                <a:tab pos="6400800" algn="l"/>
+                <a:tab pos="6858000" algn="l"/>
+                <a:tab pos="7315200" algn="l"/>
+                <a:tab pos="7772400" algn="l"/>
+                <a:tab pos="8229600" algn="l"/>
+                <a:tab pos="8686800" algn="l"/>
+                <a:tab pos="9144000" algn="l"/>
+              </a:tabLst>
+              <a:defRPr sz="2400">
+                <a:solidFill>
+                  <a:schemeClr val="tx1"/>
+                </a:solidFill>
+                <a:latin typeface="Times New Roman" panose="02020603050405020304" pitchFamily="18" charset="0"/>
+              </a:defRPr>
+            </a:lvl2pPr>
+            <a:lvl3pPr marL="1143000" indent="-228600">
+              <a:tabLst>
+                <a:tab pos="0" algn="l"/>
+                <a:tab pos="457200" algn="l"/>
+                <a:tab pos="914400" algn="l"/>
+                <a:tab pos="1371600" algn="l"/>
+                <a:tab pos="1828800" algn="l"/>
+                <a:tab pos="2286000" algn="l"/>
+                <a:tab pos="2743200" algn="l"/>
+                <a:tab pos="3200400" algn="l"/>
+                <a:tab pos="3657600" algn="l"/>
+                <a:tab pos="4114800" algn="l"/>
+                <a:tab pos="4572000" algn="l"/>
+                <a:tab pos="5029200" algn="l"/>
+                <a:tab pos="5486400" algn="l"/>
+                <a:tab pos="5943600" algn="l"/>
+                <a:tab pos="6400800" algn="l"/>
+                <a:tab pos="6858000" algn="l"/>
+                <a:tab pos="7315200" algn="l"/>
+                <a:tab pos="7772400" algn="l"/>
+                <a:tab pos="8229600" algn="l"/>
+                <a:tab pos="8686800" algn="l"/>
+                <a:tab pos="9144000" algn="l"/>
+              </a:tabLst>
+              <a:defRPr sz="2400">
+                <a:solidFill>
+                  <a:schemeClr val="tx1"/>
+                </a:solidFill>
+                <a:latin typeface="Times New Roman" panose="02020603050405020304" pitchFamily="18" charset="0"/>
+              </a:defRPr>
+            </a:lvl3pPr>
+            <a:lvl4pPr marL="1600200" indent="-228600">
+              <a:tabLst>
+                <a:tab pos="0" algn="l"/>
+                <a:tab pos="457200" algn="l"/>
+                <a:tab pos="914400" algn="l"/>
+                <a:tab pos="1371600" algn="l"/>
+                <a:tab pos="1828800" algn="l"/>
+                <a:tab pos="2286000" algn="l"/>
+                <a:tab pos="2743200" algn="l"/>
+                <a:tab pos="3200400" algn="l"/>
+                <a:tab pos="3657600" algn="l"/>
+                <a:tab pos="4114800" algn="l"/>
+                <a:tab pos="4572000" algn="l"/>
+                <a:tab pos="5029200" algn="l"/>
+                <a:tab pos="5486400" algn="l"/>
+                <a:tab pos="5943600" algn="l"/>
+                <a:tab pos="6400800" algn="l"/>
+                <a:tab pos="6858000" algn="l"/>
+                <a:tab pos="7315200" algn="l"/>
+                <a:tab pos="7772400" algn="l"/>
+                <a:tab pos="8229600" algn="l"/>
+                <a:tab pos="8686800" algn="l"/>
+                <a:tab pos="9144000" algn="l"/>
+              </a:tabLst>
+              <a:defRPr sz="2400">
+                <a:solidFill>
+                  <a:schemeClr val="tx1"/>
+                </a:solidFill>
+                <a:latin typeface="Times New Roman" panose="02020603050405020304" pitchFamily="18" charset="0"/>
+              </a:defRPr>
+            </a:lvl4pPr>
+            <a:lvl5pPr marL="2057400" indent="-228600">
+              <a:tabLst>
+                <a:tab pos="0" algn="l"/>
+                <a:tab pos="457200" algn="l"/>
+                <a:tab pos="914400" algn="l"/>
+                <a:tab pos="1371600" algn="l"/>
+                <a:tab pos="1828800" algn="l"/>
+                <a:tab pos="2286000" algn="l"/>
+                <a:tab pos="2743200" algn="l"/>
+                <a:tab pos="3200400" algn="l"/>
+                <a:tab pos="3657600" algn="l"/>
+                <a:tab pos="4114800" algn="l"/>
+                <a:tab pos="4572000" algn="l"/>
+                <a:tab pos="5029200" algn="l"/>
+                <a:tab pos="5486400" algn="l"/>
+                <a:tab pos="5943600" algn="l"/>
+                <a:tab pos="6400800" algn="l"/>
+                <a:tab pos="6858000" algn="l"/>
+                <a:tab pos="7315200" algn="l"/>
+                <a:tab pos="7772400" algn="l"/>
+                <a:tab pos="8229600" algn="l"/>
+                <a:tab pos="8686800" algn="l"/>
+                <a:tab pos="9144000" algn="l"/>
+              </a:tabLst>
+              <a:defRPr sz="2400">
+                <a:solidFill>
+                  <a:schemeClr val="tx1"/>
+                </a:solidFill>
+                <a:latin typeface="Times New Roman" panose="02020603050405020304" pitchFamily="18" charset="0"/>
+              </a:defRPr>
+            </a:lvl5pPr>
+            <a:lvl6pPr marL="2514600" indent="-228600" eaLnBrk="0" fontAlgn="base" hangingPunct="0">
+              <a:spcBef>
+                <a:spcPct val="0"/>
+              </a:spcBef>
+              <a:spcAft>
+                <a:spcPct val="0"/>
+              </a:spcAft>
+              <a:tabLst>
+                <a:tab pos="0" algn="l"/>
+                <a:tab pos="457200" algn="l"/>
+                <a:tab pos="914400" algn="l"/>
+                <a:tab pos="1371600" algn="l"/>
+                <a:tab pos="1828800" algn="l"/>
+                <a:tab pos="2286000" algn="l"/>
+                <a:tab pos="2743200" algn="l"/>
+                <a:tab pos="3200400" algn="l"/>
+                <a:tab pos="3657600" algn="l"/>
+                <a:tab pos="4114800" algn="l"/>
+                <a:tab pos="4572000" algn="l"/>
+                <a:tab pos="5029200" algn="l"/>
+                <a:tab pos="5486400" algn="l"/>
+                <a:tab pos="5943600" algn="l"/>
+                <a:tab pos="6400800" algn="l"/>
+                <a:tab pos="6858000" algn="l"/>
+                <a:tab pos="7315200" algn="l"/>
+                <a:tab pos="7772400" algn="l"/>
+                <a:tab pos="8229600" algn="l"/>
+                <a:tab pos="8686800" algn="l"/>
+                <a:tab pos="9144000" algn="l"/>
+              </a:tabLst>
+              <a:defRPr sz="2400">
+                <a:solidFill>
+                  <a:schemeClr val="tx1"/>
+                </a:solidFill>
+                <a:latin typeface="Times New Roman" panose="02020603050405020304" pitchFamily="18" charset="0"/>
+              </a:defRPr>
+            </a:lvl6pPr>
+            <a:lvl7pPr marL="2971800" indent="-228600" eaLnBrk="0" fontAlgn="base" hangingPunct="0">
+              <a:spcBef>
+                <a:spcPct val="0"/>
+              </a:spcBef>
+              <a:spcAft>
+                <a:spcPct val="0"/>
+              </a:spcAft>
+              <a:tabLst>
+                <a:tab pos="0" algn="l"/>
+                <a:tab pos="457200" algn="l"/>
+                <a:tab pos="914400" algn="l"/>
+                <a:tab pos="1371600" algn="l"/>
+                <a:tab pos="1828800" algn="l"/>
+                <a:tab pos="2286000" algn="l"/>
+                <a:tab pos="2743200" algn="l"/>
+                <a:tab pos="3200400" algn="l"/>
+                <a:tab pos="3657600" algn="l"/>
+                <a:tab pos="4114800" algn="l"/>
+                <a:tab pos="4572000" algn="l"/>
+                <a:tab pos="5029200" algn="l"/>
+                <a:tab pos="5486400" algn="l"/>
+                <a:tab pos="5943600" algn="l"/>
+                <a:tab pos="6400800" algn="l"/>
+                <a:tab pos="6858000" algn="l"/>
+                <a:tab pos="7315200" algn="l"/>
+                <a:tab pos="7772400" algn="l"/>
+                <a:tab pos="8229600" algn="l"/>
+                <a:tab pos="8686800" algn="l"/>
+                <a:tab pos="9144000" algn="l"/>
+              </a:tabLst>
+              <a:defRPr sz="2400">
+                <a:solidFill>
+                  <a:schemeClr val="tx1"/>
+                </a:solidFill>
+                <a:latin typeface="Times New Roman" panose="02020603050405020304" pitchFamily="18" charset="0"/>
+              </a:defRPr>
+            </a:lvl7pPr>
+            <a:lvl8pPr marL="3429000" indent="-228600" eaLnBrk="0" fontAlgn="base" hangingPunct="0">
+              <a:spcBef>
+                <a:spcPct val="0"/>
+              </a:spcBef>
+              <a:spcAft>
+                <a:spcPct val="0"/>
+              </a:spcAft>
+              <a:tabLst>
+                <a:tab pos="0" algn="l"/>
+                <a:tab pos="457200" algn="l"/>
+                <a:tab pos="914400" algn="l"/>
+                <a:tab pos="1371600" algn="l"/>
+                <a:tab pos="1828800" algn="l"/>
+                <a:tab pos="2286000" algn="l"/>
+                <a:tab pos="2743200" algn="l"/>
+                <a:tab pos="3200400" algn="l"/>
+                <a:tab pos="3657600" algn="l"/>
+                <a:tab pos="4114800" algn="l"/>
+                <a:tab pos="4572000" algn="l"/>
+                <a:tab pos="5029200" algn="l"/>
+                <a:tab pos="5486400" algn="l"/>
+                <a:tab pos="5943600" algn="l"/>
+                <a:tab pos="6400800" algn="l"/>
+                <a:tab pos="6858000" algn="l"/>
+                <a:tab pos="7315200" algn="l"/>
+                <a:tab pos="7772400" algn="l"/>
+                <a:tab pos="8229600" algn="l"/>
+                <a:tab pos="8686800" algn="l"/>
+                <a:tab pos="9144000" algn="l"/>
+              </a:tabLst>
+              <a:defRPr sz="2400">
+                <a:solidFill>
+                  <a:schemeClr val="tx1"/>
+                </a:solidFill>
+                <a:latin typeface="Times New Roman" panose="02020603050405020304" pitchFamily="18" charset="0"/>
+              </a:defRPr>
+            </a:lvl8pPr>
+            <a:lvl9pPr marL="3886200" indent="-228600" eaLnBrk="0" fontAlgn="base" hangingPunct="0">
+              <a:spcBef>
+                <a:spcPct val="0"/>
+              </a:spcBef>
+              <a:spcAft>
+                <a:spcPct val="0"/>
+              </a:spcAft>
+              <a:tabLst>
+                <a:tab pos="0" algn="l"/>
+                <a:tab pos="457200" algn="l"/>
+                <a:tab pos="914400" algn="l"/>
+                <a:tab pos="1371600" algn="l"/>
+                <a:tab pos="1828800" algn="l"/>
+                <a:tab pos="2286000" algn="l"/>
+                <a:tab pos="2743200" algn="l"/>
+                <a:tab pos="3200400" algn="l"/>
+                <a:tab pos="3657600" algn="l"/>
+                <a:tab pos="4114800" algn="l"/>
+                <a:tab pos="4572000" algn="l"/>
+                <a:tab pos="5029200" algn="l"/>
+                <a:tab pos="5486400" algn="l"/>
+                <a:tab pos="5943600" algn="l"/>
+                <a:tab pos="6400800" algn="l"/>
+                <a:tab pos="6858000" algn="l"/>
+                <a:tab pos="7315200" algn="l"/>
+                <a:tab pos="7772400" algn="l"/>
+                <a:tab pos="8229600" algn="l"/>
+                <a:tab pos="8686800" algn="l"/>
+                <a:tab pos="9144000" algn="l"/>
+              </a:tabLst>
+              <a:defRPr sz="2400">
+                <a:solidFill>
+                  <a:schemeClr val="tx1"/>
+                </a:solidFill>
+                <a:latin typeface="Times New Roman" panose="02020603050405020304" pitchFamily="18" charset="0"/>
+              </a:defRPr>
+            </a:lvl9pPr>
+          </a:lstStyle>
+          <a:p>
+            <a:pPr algn="ctr"/>
+            <a:r>
+              <a:rPr lang="en-GB" altLang="en-US" sz="4400">
+                <a:solidFill>
+                  <a:srgbClr val="000000"/>
+                </a:solidFill>
+                <a:latin typeface="Arial" panose="020B0604020202020204" pitchFamily="34" charset="0"/>
+              </a:rPr>
+              <a:t>Summary</a:t>
+            </a:r>
+          </a:p>
+        </p:txBody>
+      </p:sp>
+      <p:sp>
+        <p:nvSpPr>
+          <p:cNvPr id="16387" name="Text Box 2"/>
+          <p:cNvSpPr txBox="1">
+            <a:spLocks noChangeArrowheads="1"/>
+          </p:cNvSpPr>
+          <p:nvPr/>
+        </p:nvSpPr>
+        <p:spPr bwMode="auto">
+          <a:xfrm>
+            <a:off x="685800" y="1981200"/>
+            <a:ext cx="7772400" cy="4114800"/>
+          </a:xfrm>
+          <a:prstGeom prst="rect">
+            <a:avLst/>
+          </a:prstGeom>
+          <a:noFill/>
+          <a:ln>
+            <a:noFill/>
+          </a:ln>
+          <a:extLst>
+            <a:ext uri="{909E8E84-426E-40DD-AFC4-6F175D3DCCD1}">
+              <a14:hiddenFill xmlns:a14="http://schemas.microsoft.com/office/drawing/2010/main">
+                <a:solidFill>
+                  <a:srgbClr val="FFFFFF"/>
+                </a:solidFill>
+              </a14:hiddenFill>
+            </a:ext>
+            <a:ext uri="{91240B29-F687-4F45-9708-019B960494DF}">
+              <a14:hiddenLine xmlns:a14="http://schemas.microsoft.com/office/drawing/2010/main" w="9525">
+                <a:solidFill>
+                  <a:srgbClr val="000000"/>
+                </a:solidFill>
+                <a:round/>
+                <a:headEnd/>
+                <a:tailEnd/>
+              </a14:hiddenLine>
+            </a:ext>
+          </a:extLst>
+        </p:spPr>
+        <p:txBody>
+          <a:bodyPr/>
+          <a:lstStyle>
+            <a:lvl1pPr marL="339725" indent="-339725">
+              <a:tabLst>
+                <a:tab pos="339725" algn="l"/>
+                <a:tab pos="796925" algn="l"/>
+                <a:tab pos="1254125" algn="l"/>
+                <a:tab pos="1711325" algn="l"/>
+                <a:tab pos="2168525" algn="l"/>
+                <a:tab pos="2625725" algn="l"/>
+                <a:tab pos="3082925" algn="l"/>
+                <a:tab pos="3540125" algn="l"/>
+                <a:tab pos="3997325" algn="l"/>
+                <a:tab pos="4454525" algn="l"/>
+                <a:tab pos="4911725" algn="l"/>
+                <a:tab pos="5368925" algn="l"/>
+                <a:tab pos="5826125" algn="l"/>
+                <a:tab pos="6283325" algn="l"/>
+                <a:tab pos="6740525" algn="l"/>
+                <a:tab pos="7197725" algn="l"/>
+                <a:tab pos="7654925" algn="l"/>
+                <a:tab pos="8112125" algn="l"/>
+                <a:tab pos="8569325" algn="l"/>
+                <a:tab pos="9026525" algn="l"/>
+                <a:tab pos="9483725" algn="l"/>
+              </a:tabLst>
+              <a:defRPr sz="2400">
+                <a:solidFill>
+                  <a:schemeClr val="tx1"/>
+                </a:solidFill>
+                <a:latin typeface="Times New Roman" panose="02020603050405020304" pitchFamily="18" charset="0"/>
+              </a:defRPr>
+            </a:lvl1pPr>
+            <a:lvl2pPr marL="742950" indent="-285750">
+              <a:tabLst>
+                <a:tab pos="339725" algn="l"/>
+                <a:tab pos="796925" algn="l"/>
+                <a:tab pos="1254125" algn="l"/>
+                <a:tab pos="1711325" algn="l"/>
+                <a:tab pos="2168525" algn="l"/>
+                <a:tab pos="2625725" algn="l"/>
+                <a:tab pos="3082925" algn="l"/>
+                <a:tab pos="3540125" algn="l"/>
+                <a:tab pos="3997325" algn="l"/>
+                <a:tab pos="4454525" algn="l"/>
+                <a:tab pos="4911725" algn="l"/>
+                <a:tab pos="5368925" algn="l"/>
+                <a:tab pos="5826125" algn="l"/>
+                <a:tab pos="6283325" algn="l"/>
+                <a:tab pos="6740525" algn="l"/>
+                <a:tab pos="7197725" algn="l"/>
+                <a:tab pos="7654925" algn="l"/>
+                <a:tab pos="8112125" algn="l"/>
+                <a:tab pos="8569325" algn="l"/>
+                <a:tab pos="9026525" algn="l"/>
+                <a:tab pos="9483725" algn="l"/>
+              </a:tabLst>
+              <a:defRPr sz="2400">
+                <a:solidFill>
+                  <a:schemeClr val="tx1"/>
+                </a:solidFill>
+                <a:latin typeface="Times New Roman" panose="02020603050405020304" pitchFamily="18" charset="0"/>
+              </a:defRPr>
+            </a:lvl2pPr>
+            <a:lvl3pPr marL="1143000" indent="-228600">
+              <a:tabLst>
+                <a:tab pos="339725" algn="l"/>
+                <a:tab pos="796925" algn="l"/>
+                <a:tab pos="1254125" algn="l"/>
+                <a:tab pos="1711325" algn="l"/>
+                <a:tab pos="2168525" algn="l"/>
+                <a:tab pos="2625725" algn="l"/>
+                <a:tab pos="3082925" algn="l"/>
+                <a:tab pos="3540125" algn="l"/>
+                <a:tab pos="3997325" algn="l"/>
+                <a:tab pos="4454525" algn="l"/>
+                <a:tab pos="4911725" algn="l"/>
+                <a:tab pos="5368925" algn="l"/>
+                <a:tab pos="5826125" algn="l"/>
+                <a:tab pos="6283325" algn="l"/>
+                <a:tab pos="6740525" algn="l"/>
+                <a:tab pos="7197725" algn="l"/>
+                <a:tab pos="7654925" algn="l"/>
+                <a:tab pos="8112125" algn="l"/>
+                <a:tab pos="8569325" algn="l"/>
+                <a:tab pos="9026525" algn="l"/>
+                <a:tab pos="9483725" algn="l"/>
+              </a:tabLst>
+              <a:defRPr sz="2400">
+                <a:solidFill>
+                  <a:schemeClr val="tx1"/>
+                </a:solidFill>
+                <a:latin typeface="Times New Roman" panose="02020603050405020304" pitchFamily="18" charset="0"/>
+              </a:defRPr>
+            </a:lvl3pPr>
+            <a:lvl4pPr marL="1600200" indent="-228600">
+              <a:tabLst>
+                <a:tab pos="339725" algn="l"/>
+                <a:tab pos="796925" algn="l"/>
+                <a:tab pos="1254125" algn="l"/>
+                <a:tab pos="1711325" algn="l"/>
+                <a:tab pos="2168525" algn="l"/>
+                <a:tab pos="2625725" algn="l"/>
+                <a:tab pos="3082925" algn="l"/>
+                <a:tab pos="3540125" algn="l"/>
+                <a:tab pos="3997325" algn="l"/>
+                <a:tab pos="4454525" algn="l"/>
+                <a:tab pos="4911725" algn="l"/>
+                <a:tab pos="5368925" algn="l"/>
+                <a:tab pos="5826125" algn="l"/>
+                <a:tab pos="6283325" algn="l"/>
+                <a:tab pos="6740525" algn="l"/>
+                <a:tab pos="7197725" algn="l"/>
+                <a:tab pos="7654925" algn="l"/>
+                <a:tab pos="8112125" algn="l"/>
+                <a:tab pos="8569325" algn="l"/>
+                <a:tab pos="9026525" algn="l"/>
+                <a:tab pos="9483725" algn="l"/>
+              </a:tabLst>
+              <a:defRPr sz="2400">
+                <a:solidFill>
+                  <a:schemeClr val="tx1"/>
+                </a:solidFill>
+                <a:latin typeface="Times New Roman" panose="02020603050405020304" pitchFamily="18" charset="0"/>
+              </a:defRPr>
+            </a:lvl4pPr>
+            <a:lvl5pPr marL="2057400" indent="-228600">
+              <a:tabLst>
+                <a:tab pos="339725" algn="l"/>
+                <a:tab pos="796925" algn="l"/>
+                <a:tab pos="1254125" algn="l"/>
+                <a:tab pos="1711325" algn="l"/>
+                <a:tab pos="2168525" algn="l"/>
+                <a:tab pos="2625725" algn="l"/>
+                <a:tab pos="3082925" algn="l"/>
+                <a:tab pos="3540125" algn="l"/>
+                <a:tab pos="3997325" algn="l"/>
+                <a:tab pos="4454525" algn="l"/>
+                <a:tab pos="4911725" algn="l"/>
+                <a:tab pos="5368925" algn="l"/>
+                <a:tab pos="5826125" algn="l"/>
+                <a:tab pos="6283325" algn="l"/>
+                <a:tab pos="6740525" algn="l"/>
+                <a:tab pos="7197725" algn="l"/>
+                <a:tab pos="7654925" algn="l"/>
+                <a:tab pos="8112125" algn="l"/>
+                <a:tab pos="8569325" algn="l"/>
+                <a:tab pos="9026525" algn="l"/>
+                <a:tab pos="9483725" algn="l"/>
+              </a:tabLst>
+              <a:defRPr sz="2400">
+                <a:solidFill>
+                  <a:schemeClr val="tx1"/>
+                </a:solidFill>
+                <a:latin typeface="Times New Roman" panose="02020603050405020304" pitchFamily="18" charset="0"/>
+              </a:defRPr>
+            </a:lvl5pPr>
+            <a:lvl6pPr marL="2514600" indent="-228600" eaLnBrk="0" fontAlgn="base" hangingPunct="0">
+              <a:spcBef>
+                <a:spcPct val="0"/>
+              </a:spcBef>
+              <a:spcAft>
+                <a:spcPct val="0"/>
+              </a:spcAft>
+              <a:tabLst>
+                <a:tab pos="339725" algn="l"/>
+                <a:tab pos="796925" algn="l"/>
+                <a:tab pos="1254125" algn="l"/>
+                <a:tab pos="1711325" algn="l"/>
+                <a:tab pos="2168525" algn="l"/>
+                <a:tab pos="2625725" algn="l"/>
+                <a:tab pos="3082925" algn="l"/>
+                <a:tab pos="3540125" algn="l"/>
+                <a:tab pos="3997325" algn="l"/>
+                <a:tab pos="4454525" algn="l"/>
+                <a:tab pos="4911725" algn="l"/>
+                <a:tab pos="5368925" algn="l"/>
+                <a:tab pos="5826125" algn="l"/>
+                <a:tab pos="6283325" algn="l"/>
+                <a:tab pos="6740525" algn="l"/>
+                <a:tab pos="7197725" algn="l"/>
+                <a:tab pos="7654925" algn="l"/>
+                <a:tab pos="8112125" algn="l"/>
+                <a:tab pos="8569325" algn="l"/>
+                <a:tab pos="9026525" algn="l"/>
+                <a:tab pos="9483725" algn="l"/>
+              </a:tabLst>
+              <a:defRPr sz="2400">
+                <a:solidFill>
+                  <a:schemeClr val="tx1"/>
+                </a:solidFill>
+                <a:latin typeface="Times New Roman" panose="02020603050405020304" pitchFamily="18" charset="0"/>
+              </a:defRPr>
+            </a:lvl6pPr>
+            <a:lvl7pPr marL="2971800" indent="-228600" eaLnBrk="0" fontAlgn="base" hangingPunct="0">
+              <a:spcBef>
+                <a:spcPct val="0"/>
+              </a:spcBef>
+              <a:spcAft>
+                <a:spcPct val="0"/>
+              </a:spcAft>
+              <a:tabLst>
+                <a:tab pos="339725" algn="l"/>
+                <a:tab pos="796925" algn="l"/>
+                <a:tab pos="1254125" algn="l"/>
+                <a:tab pos="1711325" algn="l"/>
+                <a:tab pos="2168525" algn="l"/>
+                <a:tab pos="2625725" algn="l"/>
+                <a:tab pos="3082925" algn="l"/>
+                <a:tab pos="3540125" algn="l"/>
+                <a:tab pos="3997325" algn="l"/>
+                <a:tab pos="4454525" algn="l"/>
+                <a:tab pos="4911725" algn="l"/>
+                <a:tab pos="5368925" algn="l"/>
+                <a:tab pos="5826125" algn="l"/>
+                <a:tab pos="6283325" algn="l"/>
+                <a:tab pos="6740525" algn="l"/>
+                <a:tab pos="7197725" algn="l"/>
+                <a:tab pos="7654925" algn="l"/>
+                <a:tab pos="8112125" algn="l"/>
+                <a:tab pos="8569325" algn="l"/>
+                <a:tab pos="9026525" algn="l"/>
+                <a:tab pos="9483725" algn="l"/>
+              </a:tabLst>
+              <a:defRPr sz="2400">
+                <a:solidFill>
+                  <a:schemeClr val="tx1"/>
+                </a:solidFill>
+                <a:latin typeface="Times New Roman" panose="02020603050405020304" pitchFamily="18" charset="0"/>
+              </a:defRPr>
+            </a:lvl7pPr>
+            <a:lvl8pPr marL="3429000" indent="-228600" eaLnBrk="0" fontAlgn="base" hangingPunct="0">
+              <a:spcBef>
+                <a:spcPct val="0"/>
+              </a:spcBef>
+              <a:spcAft>
+                <a:spcPct val="0"/>
+              </a:spcAft>
+              <a:tabLst>
+                <a:tab pos="339725" algn="l"/>
+                <a:tab pos="796925" algn="l"/>
+                <a:tab pos="1254125" algn="l"/>
+                <a:tab pos="1711325" algn="l"/>
+                <a:tab pos="2168525" algn="l"/>
+                <a:tab pos="2625725" algn="l"/>
+                <a:tab pos="3082925" algn="l"/>
+                <a:tab pos="3540125" algn="l"/>
+                <a:tab pos="3997325" algn="l"/>
+                <a:tab pos="4454525" algn="l"/>
+                <a:tab pos="4911725" algn="l"/>
+                <a:tab pos="5368925" algn="l"/>
+                <a:tab pos="5826125" algn="l"/>
+                <a:tab pos="6283325" algn="l"/>
+                <a:tab pos="6740525" algn="l"/>
+                <a:tab pos="7197725" algn="l"/>
+                <a:tab pos="7654925" algn="l"/>
+                <a:tab pos="8112125" algn="l"/>
+                <a:tab pos="8569325" algn="l"/>
+                <a:tab pos="9026525" algn="l"/>
+                <a:tab pos="9483725" algn="l"/>
+              </a:tabLst>
+              <a:defRPr sz="2400">
+                <a:solidFill>
+                  <a:schemeClr val="tx1"/>
+                </a:solidFill>
+                <a:latin typeface="Times New Roman" panose="02020603050405020304" pitchFamily="18" charset="0"/>
+              </a:defRPr>
+            </a:lvl8pPr>
+            <a:lvl9pPr marL="3886200" indent="-228600" eaLnBrk="0" fontAlgn="base" hangingPunct="0">
+              <a:spcBef>
+                <a:spcPct val="0"/>
+              </a:spcBef>
+              <a:spcAft>
+                <a:spcPct val="0"/>
+              </a:spcAft>
+              <a:tabLst>
+                <a:tab pos="339725" algn="l"/>
+                <a:tab pos="796925" algn="l"/>
+                <a:tab pos="1254125" algn="l"/>
+                <a:tab pos="1711325" algn="l"/>
+                <a:tab pos="2168525" algn="l"/>
+                <a:tab pos="2625725" algn="l"/>
+                <a:tab pos="3082925" algn="l"/>
+                <a:tab pos="3540125" algn="l"/>
+                <a:tab pos="3997325" algn="l"/>
+                <a:tab pos="4454525" algn="l"/>
+                <a:tab pos="4911725" algn="l"/>
+                <a:tab pos="5368925" algn="l"/>
+                <a:tab pos="5826125" algn="l"/>
+                <a:tab pos="6283325" algn="l"/>
+                <a:tab pos="6740525" algn="l"/>
+                <a:tab pos="7197725" algn="l"/>
+                <a:tab pos="7654925" algn="l"/>
+                <a:tab pos="8112125" algn="l"/>
+                <a:tab pos="8569325" algn="l"/>
+                <a:tab pos="9026525" algn="l"/>
+                <a:tab pos="9483725" algn="l"/>
+              </a:tabLst>
+              <a:defRPr sz="2400">
+                <a:solidFill>
+                  <a:schemeClr val="tx1"/>
+                </a:solidFill>
+                <a:latin typeface="Times New Roman" panose="02020603050405020304" pitchFamily="18" charset="0"/>
+              </a:defRPr>
+            </a:lvl9pPr>
+          </a:lstStyle>
+          <a:p>
+            <a:pPr>
+              <a:spcBef>
+                <a:spcPts val="800"/>
+              </a:spcBef>
+              <a:buFont typeface="Times New Roman" panose="02020603050405020304" pitchFamily="18" charset="0"/>
+              <a:buBlip>
+                <a:blip r:embed="rId3"/>
+              </a:buBlip>
+            </a:pPr>
+            <a:r>
+              <a:rPr lang="en-GB" altLang="en-US" sz="3200" dirty="0">
+                <a:solidFill>
+                  <a:srgbClr val="000000"/>
+                </a:solidFill>
+                <a:latin typeface="Arial" panose="020B0604020202020204" pitchFamily="34" charset="0"/>
+              </a:rPr>
+              <a:t>Overview of </a:t>
+            </a:r>
+            <a:r>
+              <a:rPr lang="en-GB" altLang="en-US" sz="3200" dirty="0" err="1">
+                <a:solidFill>
+                  <a:srgbClr val="000000"/>
+                </a:solidFill>
+                <a:latin typeface="Arial" panose="020B0604020202020204" pitchFamily="34" charset="0"/>
+              </a:rPr>
+              <a:t>Javascript</a:t>
+            </a:r>
+            <a:r>
+              <a:rPr lang="en-GB" altLang="en-US" sz="3200" dirty="0">
+                <a:solidFill>
+                  <a:srgbClr val="000000"/>
+                </a:solidFill>
+                <a:latin typeface="Arial" panose="020B0604020202020204" pitchFamily="34" charset="0"/>
+              </a:rPr>
+              <a:t> </a:t>
+            </a:r>
+            <a:r>
+              <a:rPr lang="en-GB" altLang="en-US" sz="3200" dirty="0" smtClean="0">
+                <a:solidFill>
+                  <a:srgbClr val="000000"/>
+                </a:solidFill>
+                <a:latin typeface="Arial" panose="020B0604020202020204" pitchFamily="34" charset="0"/>
+              </a:rPr>
+              <a:t>Events</a:t>
+            </a:r>
+          </a:p>
+          <a:p>
+            <a:pPr>
+              <a:spcBef>
+                <a:spcPts val="800"/>
+              </a:spcBef>
+              <a:buFont typeface="Times New Roman" panose="02020603050405020304" pitchFamily="18" charset="0"/>
+              <a:buBlip>
+                <a:blip r:embed="rId3"/>
+              </a:buBlip>
+            </a:pPr>
+            <a:r>
+              <a:rPr lang="en-GB" altLang="en-US" sz="3200" dirty="0" err="1" smtClean="0">
+                <a:solidFill>
+                  <a:srgbClr val="000000"/>
+                </a:solidFill>
+                <a:latin typeface="Arial" panose="020B0604020202020204" pitchFamily="34" charset="0"/>
+              </a:rPr>
+              <a:t>Javascript</a:t>
+            </a:r>
+            <a:r>
+              <a:rPr lang="en-GB" altLang="en-US" sz="3200" dirty="0" smtClean="0">
+                <a:solidFill>
+                  <a:srgbClr val="000000"/>
+                </a:solidFill>
+                <a:latin typeface="Arial" panose="020B0604020202020204" pitchFamily="34" charset="0"/>
+              </a:rPr>
+              <a:t> Game</a:t>
+            </a:r>
+          </a:p>
+          <a:p>
+            <a:pPr lvl="1">
+              <a:spcBef>
+                <a:spcPts val="800"/>
+              </a:spcBef>
+              <a:buFont typeface="Times New Roman" panose="02020603050405020304" pitchFamily="18" charset="0"/>
+              <a:buBlip>
+                <a:blip r:embed="rId3"/>
+              </a:buBlip>
+            </a:pPr>
+            <a:r>
+              <a:rPr lang="en-GB" altLang="en-US" sz="3200" dirty="0" smtClean="0">
+                <a:solidFill>
+                  <a:srgbClr val="000000"/>
+                </a:solidFill>
+                <a:latin typeface="Arial" panose="020B0604020202020204" pitchFamily="34" charset="0"/>
+              </a:rPr>
+              <a:t>Interactive and Dynamic</a:t>
+            </a:r>
+            <a:endParaRPr lang="en-GB" altLang="en-US" sz="3200" dirty="0">
+              <a:solidFill>
+                <a:srgbClr val="000000"/>
+              </a:solidFill>
+              <a:latin typeface="Arial" panose="020B0604020202020204" pitchFamily="34" charset="0"/>
+            </a:endParaRPr>
+          </a:p>
+          <a:p>
+            <a:pPr>
+              <a:spcBef>
+                <a:spcPts val="800"/>
+              </a:spcBef>
+              <a:buFont typeface="Times New Roman" panose="02020603050405020304" pitchFamily="18" charset="0"/>
+              <a:buBlip>
+                <a:blip r:embed="rId3"/>
+              </a:buBlip>
+            </a:pPr>
+            <a:r>
+              <a:rPr lang="en-GB" altLang="en-US" sz="3200" dirty="0">
+                <a:solidFill>
+                  <a:srgbClr val="000000"/>
+                </a:solidFill>
+                <a:latin typeface="Arial" panose="020B0604020202020204" pitchFamily="34" charset="0"/>
+              </a:rPr>
+              <a:t>Hands-On/Practical</a:t>
+            </a:r>
+          </a:p>
+        </p:txBody>
+      </p:sp>
+    </p:spTree>
+  </p:cSld>
+  <p:clrMapOvr>
+    <a:masterClrMapping/>
+  </p:clrMapOvr>
+  <p:transition spd="med"/>
+  <p:timing>
+    <p:tnLst>
+      <p:par>
+        <p:cTn id="1" dur="indefinite" restart="never" nodeType="tmRoot">
+          <p:childTnLst>
+            <p:seq concurrent="1" nextAc="seek">
+              <p:cTn id="2" dur="indefinite" nodeType="mainSeq"/>
+              <p:prevCondLst>
+                <p:cond evt="onPrev" delay="0">
+                  <p:tgtEl>
+                    <p:sldTgt/>
+                  </p:tgtEl>
+                </p:cond>
+              </p:prevCondLst>
+              <p:nextCondLst>
+                <p:cond evt="onNext" delay="0">
+                  <p:tgtEl>
+                    <p:sldTgt/>
+                  </p:tgtEl>
+                </p:cond>
+              </p:nextCondLst>
+            </p:seq>
+          </p:childTnLst>
+        </p:cTn>
+      </p:par>
+    </p:tnLst>
+  </p:timing>
+</p:sld>
+</file>
+
+<file path=ppt/slides/slide41.xml><?xml version="1.0" encoding="utf-8"?>
 <p:sld xmlns:a="http://schemas.openxmlformats.org/drawingml/2006/main" xmlns:r="http://schemas.openxmlformats.org/officeDocument/2006/relationships" xmlns:p="http://schemas.openxmlformats.org/presentationml/2006/main">
   <p:cSld>
     <p:spTree>

--- a/WAD/lectures/120--Javascript.Events.pptx
+++ b/WAD/lectures/120--Javascript.Events.pptx
@@ -179,7 +179,7 @@
   </p:defaultTextStyle>
   <p:extLst>
     <p:ext uri="{EFAFB233-063F-42B5-8137-9DF3F51BA10A}">
-      <p15:sldGuideLst xmlns:p15="http://schemas.microsoft.com/office/powerpoint/2012/main">
+      <p15:sldGuideLst xmlns:p15="http://schemas.microsoft.com/office/powerpoint/2012/main" xmlns="">
         <p15:guide id="1" orient="horz" pos="2160">
           <p15:clr>
             <a:srgbClr val="A4A3A4"/>
@@ -338,7 +338,7 @@
           </a:ln>
           <a:extLst>
             <a:ext uri="{909E8E84-426E-40DD-AFC4-6F175D3DCCD1}">
-              <a14:hiddenFill xmlns:a14="http://schemas.microsoft.com/office/drawing/2010/main">
+              <a14:hiddenFill xmlns:a14="http://schemas.microsoft.com/office/drawing/2010/main" xmlns="">
                 <a:solidFill>
                   <a:srgbClr val="FFFFFF"/>
                 </a:solidFill>
@@ -509,7 +509,7 @@
     </p:spTree>
     <p:extLst>
       <p:ext uri="{BB962C8B-B14F-4D97-AF65-F5344CB8AC3E}">
-        <p14:creationId xmlns:p14="http://schemas.microsoft.com/office/powerpoint/2010/main" val="1129217050"/>
+        <p14:creationId xmlns:p14="http://schemas.microsoft.com/office/powerpoint/2010/main" xmlns="" val="1129217050"/>
       </p:ext>
     </p:extLst>
   </p:cSld>
@@ -678,14 +678,14 @@
           <a:noFill/>
           <a:extLst>
             <a:ext uri="{909E8E84-426E-40DD-AFC4-6F175D3DCCD1}">
-              <a14:hiddenFill xmlns:a14="http://schemas.microsoft.com/office/drawing/2010/main">
+              <a14:hiddenFill xmlns:a14="http://schemas.microsoft.com/office/drawing/2010/main" xmlns="">
                 <a:solidFill>
                   <a:srgbClr val="FFFFFF"/>
                 </a:solidFill>
               </a14:hiddenFill>
             </a:ext>
             <a:ext uri="{91240B29-F687-4F45-9708-019B960494DF}">
-              <a14:hiddenLine xmlns:a14="http://schemas.microsoft.com/office/drawing/2010/main" w="9525">
+              <a14:hiddenLine xmlns:a14="http://schemas.microsoft.com/office/drawing/2010/main" xmlns="" w="9525">
                 <a:solidFill>
                   <a:srgbClr val="000000"/>
                 </a:solidFill>
@@ -837,14 +837,14 @@
           <a:noFill/>
           <a:extLst>
             <a:ext uri="{909E8E84-426E-40DD-AFC4-6F175D3DCCD1}">
-              <a14:hiddenFill xmlns:a14="http://schemas.microsoft.com/office/drawing/2010/main">
+              <a14:hiddenFill xmlns:a14="http://schemas.microsoft.com/office/drawing/2010/main" xmlns="">
                 <a:solidFill>
                   <a:srgbClr val="FFFFFF"/>
                 </a:solidFill>
               </a14:hiddenFill>
             </a:ext>
             <a:ext uri="{91240B29-F687-4F45-9708-019B960494DF}">
-              <a14:hiddenLine xmlns:a14="http://schemas.microsoft.com/office/drawing/2010/main" w="9525" cap="flat">
+              <a14:hiddenLine xmlns:a14="http://schemas.microsoft.com/office/drawing/2010/main" xmlns="" w="9525" cap="flat">
                 <a:solidFill>
                   <a:srgbClr val="000000"/>
                 </a:solidFill>
@@ -866,7 +866,7 @@
     </p:spTree>
     <p:extLst>
       <p:ext uri="{BB962C8B-B14F-4D97-AF65-F5344CB8AC3E}">
-        <p14:creationId xmlns:p14="http://schemas.microsoft.com/office/powerpoint/2010/main" val="195875113"/>
+        <p14:creationId xmlns:p14="http://schemas.microsoft.com/office/powerpoint/2010/main" xmlns="" val="195875113"/>
       </p:ext>
     </p:extLst>
   </p:cSld>
@@ -915,14 +915,14 @@
           <a:noFill/>
           <a:extLst>
             <a:ext uri="{909E8E84-426E-40DD-AFC4-6F175D3DCCD1}">
-              <a14:hiddenFill xmlns:a14="http://schemas.microsoft.com/office/drawing/2010/main">
+              <a14:hiddenFill xmlns:a14="http://schemas.microsoft.com/office/drawing/2010/main" xmlns="">
                 <a:solidFill>
                   <a:srgbClr val="FFFFFF"/>
                 </a:solidFill>
               </a14:hiddenFill>
             </a:ext>
             <a:ext uri="{91240B29-F687-4F45-9708-019B960494DF}">
-              <a14:hiddenLine xmlns:a14="http://schemas.microsoft.com/office/drawing/2010/main" w="9525">
+              <a14:hiddenLine xmlns:a14="http://schemas.microsoft.com/office/drawing/2010/main" xmlns="" w="9525">
                 <a:solidFill>
                   <a:srgbClr val="000000"/>
                 </a:solidFill>
@@ -1074,14 +1074,14 @@
           <a:noFill/>
           <a:extLst>
             <a:ext uri="{909E8E84-426E-40DD-AFC4-6F175D3DCCD1}">
-              <a14:hiddenFill xmlns:a14="http://schemas.microsoft.com/office/drawing/2010/main">
+              <a14:hiddenFill xmlns:a14="http://schemas.microsoft.com/office/drawing/2010/main" xmlns="">
                 <a:solidFill>
                   <a:srgbClr val="FFFFFF"/>
                 </a:solidFill>
               </a14:hiddenFill>
             </a:ext>
             <a:ext uri="{91240B29-F687-4F45-9708-019B960494DF}">
-              <a14:hiddenLine xmlns:a14="http://schemas.microsoft.com/office/drawing/2010/main" w="9525" cap="flat">
+              <a14:hiddenLine xmlns:a14="http://schemas.microsoft.com/office/drawing/2010/main" xmlns="" w="9525" cap="flat">
                 <a:solidFill>
                   <a:srgbClr val="000000"/>
                 </a:solidFill>
@@ -1103,7 +1103,7 @@
     </p:spTree>
     <p:extLst>
       <p:ext uri="{BB962C8B-B14F-4D97-AF65-F5344CB8AC3E}">
-        <p14:creationId xmlns:p14="http://schemas.microsoft.com/office/powerpoint/2010/main" val="3781747137"/>
+        <p14:creationId xmlns:p14="http://schemas.microsoft.com/office/powerpoint/2010/main" xmlns="" val="3781747137"/>
       </p:ext>
     </p:extLst>
   </p:cSld>
@@ -1152,14 +1152,14 @@
           <a:noFill/>
           <a:extLst>
             <a:ext uri="{909E8E84-426E-40DD-AFC4-6F175D3DCCD1}">
-              <a14:hiddenFill xmlns:a14="http://schemas.microsoft.com/office/drawing/2010/main">
+              <a14:hiddenFill xmlns:a14="http://schemas.microsoft.com/office/drawing/2010/main" xmlns="">
                 <a:solidFill>
                   <a:srgbClr val="FFFFFF"/>
                 </a:solidFill>
               </a14:hiddenFill>
             </a:ext>
             <a:ext uri="{91240B29-F687-4F45-9708-019B960494DF}">
-              <a14:hiddenLine xmlns:a14="http://schemas.microsoft.com/office/drawing/2010/main" w="9525">
+              <a14:hiddenLine xmlns:a14="http://schemas.microsoft.com/office/drawing/2010/main" xmlns="" w="9525">
                 <a:solidFill>
                   <a:srgbClr val="000000"/>
                 </a:solidFill>
@@ -1311,14 +1311,14 @@
           <a:noFill/>
           <a:extLst>
             <a:ext uri="{909E8E84-426E-40DD-AFC4-6F175D3DCCD1}">
-              <a14:hiddenFill xmlns:a14="http://schemas.microsoft.com/office/drawing/2010/main">
+              <a14:hiddenFill xmlns:a14="http://schemas.microsoft.com/office/drawing/2010/main" xmlns="">
                 <a:solidFill>
                   <a:srgbClr val="FFFFFF"/>
                 </a:solidFill>
               </a14:hiddenFill>
             </a:ext>
             <a:ext uri="{91240B29-F687-4F45-9708-019B960494DF}">
-              <a14:hiddenLine xmlns:a14="http://schemas.microsoft.com/office/drawing/2010/main" w="9525" cap="flat">
+              <a14:hiddenLine xmlns:a14="http://schemas.microsoft.com/office/drawing/2010/main" xmlns="" w="9525" cap="flat">
                 <a:solidFill>
                   <a:srgbClr val="000000"/>
                 </a:solidFill>
@@ -1340,7 +1340,7 @@
     </p:spTree>
     <p:extLst>
       <p:ext uri="{BB962C8B-B14F-4D97-AF65-F5344CB8AC3E}">
-        <p14:creationId xmlns:p14="http://schemas.microsoft.com/office/powerpoint/2010/main" val="341695156"/>
+        <p14:creationId xmlns:p14="http://schemas.microsoft.com/office/powerpoint/2010/main" xmlns="" val="341695156"/>
       </p:ext>
     </p:extLst>
   </p:cSld>
@@ -1389,14 +1389,14 @@
           <a:noFill/>
           <a:extLst>
             <a:ext uri="{909E8E84-426E-40DD-AFC4-6F175D3DCCD1}">
-              <a14:hiddenFill xmlns:a14="http://schemas.microsoft.com/office/drawing/2010/main">
+              <a14:hiddenFill xmlns:a14="http://schemas.microsoft.com/office/drawing/2010/main" xmlns="">
                 <a:solidFill>
                   <a:srgbClr val="FFFFFF"/>
                 </a:solidFill>
               </a14:hiddenFill>
             </a:ext>
             <a:ext uri="{91240B29-F687-4F45-9708-019B960494DF}">
-              <a14:hiddenLine xmlns:a14="http://schemas.microsoft.com/office/drawing/2010/main" w="9525">
+              <a14:hiddenLine xmlns:a14="http://schemas.microsoft.com/office/drawing/2010/main" xmlns="" w="9525">
                 <a:solidFill>
                   <a:srgbClr val="000000"/>
                 </a:solidFill>
@@ -1548,14 +1548,14 @@
           <a:noFill/>
           <a:extLst>
             <a:ext uri="{909E8E84-426E-40DD-AFC4-6F175D3DCCD1}">
-              <a14:hiddenFill xmlns:a14="http://schemas.microsoft.com/office/drawing/2010/main">
+              <a14:hiddenFill xmlns:a14="http://schemas.microsoft.com/office/drawing/2010/main" xmlns="">
                 <a:solidFill>
                   <a:srgbClr val="FFFFFF"/>
                 </a:solidFill>
               </a14:hiddenFill>
             </a:ext>
             <a:ext uri="{91240B29-F687-4F45-9708-019B960494DF}">
-              <a14:hiddenLine xmlns:a14="http://schemas.microsoft.com/office/drawing/2010/main" w="9525" cap="flat">
+              <a14:hiddenLine xmlns:a14="http://schemas.microsoft.com/office/drawing/2010/main" xmlns="" w="9525" cap="flat">
                 <a:solidFill>
                   <a:srgbClr val="000000"/>
                 </a:solidFill>
@@ -1577,7 +1577,7 @@
     </p:spTree>
     <p:extLst>
       <p:ext uri="{BB962C8B-B14F-4D97-AF65-F5344CB8AC3E}">
-        <p14:creationId xmlns:p14="http://schemas.microsoft.com/office/powerpoint/2010/main" val="185519388"/>
+        <p14:creationId xmlns:p14="http://schemas.microsoft.com/office/powerpoint/2010/main" xmlns="" val="185519388"/>
       </p:ext>
     </p:extLst>
   </p:cSld>
@@ -1626,14 +1626,14 @@
           <a:noFill/>
           <a:extLst>
             <a:ext uri="{909E8E84-426E-40DD-AFC4-6F175D3DCCD1}">
-              <a14:hiddenFill xmlns:a14="http://schemas.microsoft.com/office/drawing/2010/main">
+              <a14:hiddenFill xmlns:a14="http://schemas.microsoft.com/office/drawing/2010/main" xmlns="">
                 <a:solidFill>
                   <a:srgbClr val="FFFFFF"/>
                 </a:solidFill>
               </a14:hiddenFill>
             </a:ext>
             <a:ext uri="{91240B29-F687-4F45-9708-019B960494DF}">
-              <a14:hiddenLine xmlns:a14="http://schemas.microsoft.com/office/drawing/2010/main" w="9525">
+              <a14:hiddenLine xmlns:a14="http://schemas.microsoft.com/office/drawing/2010/main" xmlns="" w="9525">
                 <a:solidFill>
                   <a:srgbClr val="000000"/>
                 </a:solidFill>
@@ -1793,14 +1793,14 @@
           <a:noFill/>
           <a:extLst>
             <a:ext uri="{909E8E84-426E-40DD-AFC4-6F175D3DCCD1}">
-              <a14:hiddenFill xmlns:a14="http://schemas.microsoft.com/office/drawing/2010/main">
+              <a14:hiddenFill xmlns:a14="http://schemas.microsoft.com/office/drawing/2010/main" xmlns="">
                 <a:solidFill>
                   <a:srgbClr val="FFFFFF"/>
                 </a:solidFill>
               </a14:hiddenFill>
             </a:ext>
             <a:ext uri="{91240B29-F687-4F45-9708-019B960494DF}">
-              <a14:hiddenLine xmlns:a14="http://schemas.microsoft.com/office/drawing/2010/main" w="9525" cap="flat">
+              <a14:hiddenLine xmlns:a14="http://schemas.microsoft.com/office/drawing/2010/main" xmlns="" w="9525" cap="flat">
                 <a:solidFill>
                   <a:srgbClr val="000000"/>
                 </a:solidFill>
@@ -1822,7 +1822,7 @@
     </p:spTree>
     <p:extLst>
       <p:ext uri="{BB962C8B-B14F-4D97-AF65-F5344CB8AC3E}">
-        <p14:creationId xmlns:p14="http://schemas.microsoft.com/office/powerpoint/2010/main" val="4206790960"/>
+        <p14:creationId xmlns:p14="http://schemas.microsoft.com/office/powerpoint/2010/main" xmlns="" val="4206790960"/>
       </p:ext>
     </p:extLst>
   </p:cSld>
@@ -1871,14 +1871,14 @@
           <a:noFill/>
           <a:extLst>
             <a:ext uri="{909E8E84-426E-40DD-AFC4-6F175D3DCCD1}">
-              <a14:hiddenFill xmlns:a14="http://schemas.microsoft.com/office/drawing/2010/main">
+              <a14:hiddenFill xmlns:a14="http://schemas.microsoft.com/office/drawing/2010/main" xmlns="">
                 <a:solidFill>
                   <a:srgbClr val="FFFFFF"/>
                 </a:solidFill>
               </a14:hiddenFill>
             </a:ext>
             <a:ext uri="{91240B29-F687-4F45-9708-019B960494DF}">
-              <a14:hiddenLine xmlns:a14="http://schemas.microsoft.com/office/drawing/2010/main" w="9525">
+              <a14:hiddenLine xmlns:a14="http://schemas.microsoft.com/office/drawing/2010/main" xmlns="" w="9525">
                 <a:solidFill>
                   <a:srgbClr val="000000"/>
                 </a:solidFill>
@@ -2038,14 +2038,14 @@
           <a:noFill/>
           <a:extLst>
             <a:ext uri="{909E8E84-426E-40DD-AFC4-6F175D3DCCD1}">
-              <a14:hiddenFill xmlns:a14="http://schemas.microsoft.com/office/drawing/2010/main">
+              <a14:hiddenFill xmlns:a14="http://schemas.microsoft.com/office/drawing/2010/main" xmlns="">
                 <a:solidFill>
                   <a:srgbClr val="FFFFFF"/>
                 </a:solidFill>
               </a14:hiddenFill>
             </a:ext>
             <a:ext uri="{91240B29-F687-4F45-9708-019B960494DF}">
-              <a14:hiddenLine xmlns:a14="http://schemas.microsoft.com/office/drawing/2010/main" w="9525" cap="flat">
+              <a14:hiddenLine xmlns:a14="http://schemas.microsoft.com/office/drawing/2010/main" xmlns="" w="9525" cap="flat">
                 <a:solidFill>
                   <a:srgbClr val="000000"/>
                 </a:solidFill>
@@ -2067,7 +2067,7 @@
     </p:spTree>
     <p:extLst>
       <p:ext uri="{BB962C8B-B14F-4D97-AF65-F5344CB8AC3E}">
-        <p14:creationId xmlns:p14="http://schemas.microsoft.com/office/powerpoint/2010/main" val="1614357829"/>
+        <p14:creationId xmlns:p14="http://schemas.microsoft.com/office/powerpoint/2010/main" xmlns="" val="1614357829"/>
       </p:ext>
     </p:extLst>
   </p:cSld>
@@ -2116,14 +2116,14 @@
           <a:noFill/>
           <a:extLst>
             <a:ext uri="{909E8E84-426E-40DD-AFC4-6F175D3DCCD1}">
-              <a14:hiddenFill xmlns:a14="http://schemas.microsoft.com/office/drawing/2010/main">
+              <a14:hiddenFill xmlns:a14="http://schemas.microsoft.com/office/drawing/2010/main" xmlns="">
                 <a:solidFill>
                   <a:srgbClr val="FFFFFF"/>
                 </a:solidFill>
               </a14:hiddenFill>
             </a:ext>
             <a:ext uri="{91240B29-F687-4F45-9708-019B960494DF}">
-              <a14:hiddenLine xmlns:a14="http://schemas.microsoft.com/office/drawing/2010/main" w="9525">
+              <a14:hiddenLine xmlns:a14="http://schemas.microsoft.com/office/drawing/2010/main" xmlns="" w="9525">
                 <a:solidFill>
                   <a:srgbClr val="000000"/>
                 </a:solidFill>
@@ -2283,14 +2283,14 @@
           <a:noFill/>
           <a:extLst>
             <a:ext uri="{909E8E84-426E-40DD-AFC4-6F175D3DCCD1}">
-              <a14:hiddenFill xmlns:a14="http://schemas.microsoft.com/office/drawing/2010/main">
+              <a14:hiddenFill xmlns:a14="http://schemas.microsoft.com/office/drawing/2010/main" xmlns="">
                 <a:solidFill>
                   <a:srgbClr val="FFFFFF"/>
                 </a:solidFill>
               </a14:hiddenFill>
             </a:ext>
             <a:ext uri="{91240B29-F687-4F45-9708-019B960494DF}">
-              <a14:hiddenLine xmlns:a14="http://schemas.microsoft.com/office/drawing/2010/main" w="9525" cap="flat">
+              <a14:hiddenLine xmlns:a14="http://schemas.microsoft.com/office/drawing/2010/main" xmlns="" w="9525" cap="flat">
                 <a:solidFill>
                   <a:srgbClr val="000000"/>
                 </a:solidFill>
@@ -2312,7 +2312,7 @@
     </p:spTree>
     <p:extLst>
       <p:ext uri="{BB962C8B-B14F-4D97-AF65-F5344CB8AC3E}">
-        <p14:creationId xmlns:p14="http://schemas.microsoft.com/office/powerpoint/2010/main" val="4193840328"/>
+        <p14:creationId xmlns:p14="http://schemas.microsoft.com/office/powerpoint/2010/main" xmlns="" val="4193840328"/>
       </p:ext>
     </p:extLst>
   </p:cSld>
@@ -2361,14 +2361,14 @@
           <a:noFill/>
           <a:extLst>
             <a:ext uri="{909E8E84-426E-40DD-AFC4-6F175D3DCCD1}">
-              <a14:hiddenFill xmlns:a14="http://schemas.microsoft.com/office/drawing/2010/main">
+              <a14:hiddenFill xmlns:a14="http://schemas.microsoft.com/office/drawing/2010/main" xmlns="">
                 <a:solidFill>
                   <a:srgbClr val="FFFFFF"/>
                 </a:solidFill>
               </a14:hiddenFill>
             </a:ext>
             <a:ext uri="{91240B29-F687-4F45-9708-019B960494DF}">
-              <a14:hiddenLine xmlns:a14="http://schemas.microsoft.com/office/drawing/2010/main" w="9525">
+              <a14:hiddenLine xmlns:a14="http://schemas.microsoft.com/office/drawing/2010/main" xmlns="" w="9525">
                 <a:solidFill>
                   <a:srgbClr val="000000"/>
                 </a:solidFill>
@@ -2528,14 +2528,14 @@
           <a:noFill/>
           <a:extLst>
             <a:ext uri="{909E8E84-426E-40DD-AFC4-6F175D3DCCD1}">
-              <a14:hiddenFill xmlns:a14="http://schemas.microsoft.com/office/drawing/2010/main">
+              <a14:hiddenFill xmlns:a14="http://schemas.microsoft.com/office/drawing/2010/main" xmlns="">
                 <a:solidFill>
                   <a:srgbClr val="FFFFFF"/>
                 </a:solidFill>
               </a14:hiddenFill>
             </a:ext>
             <a:ext uri="{91240B29-F687-4F45-9708-019B960494DF}">
-              <a14:hiddenLine xmlns:a14="http://schemas.microsoft.com/office/drawing/2010/main" w="9525" cap="flat">
+              <a14:hiddenLine xmlns:a14="http://schemas.microsoft.com/office/drawing/2010/main" xmlns="" w="9525" cap="flat">
                 <a:solidFill>
                   <a:srgbClr val="000000"/>
                 </a:solidFill>
@@ -2557,7 +2557,7 @@
     </p:spTree>
     <p:extLst>
       <p:ext uri="{BB962C8B-B14F-4D97-AF65-F5344CB8AC3E}">
-        <p14:creationId xmlns:p14="http://schemas.microsoft.com/office/powerpoint/2010/main" val="1341262218"/>
+        <p14:creationId xmlns:p14="http://schemas.microsoft.com/office/powerpoint/2010/main" xmlns="" val="1341262218"/>
       </p:ext>
     </p:extLst>
   </p:cSld>
@@ -2606,14 +2606,14 @@
           <a:noFill/>
           <a:extLst>
             <a:ext uri="{909E8E84-426E-40DD-AFC4-6F175D3DCCD1}">
-              <a14:hiddenFill xmlns:a14="http://schemas.microsoft.com/office/drawing/2010/main">
+              <a14:hiddenFill xmlns:a14="http://schemas.microsoft.com/office/drawing/2010/main" xmlns="">
                 <a:solidFill>
                   <a:srgbClr val="FFFFFF"/>
                 </a:solidFill>
               </a14:hiddenFill>
             </a:ext>
             <a:ext uri="{91240B29-F687-4F45-9708-019B960494DF}">
-              <a14:hiddenLine xmlns:a14="http://schemas.microsoft.com/office/drawing/2010/main" w="9525">
+              <a14:hiddenLine xmlns:a14="http://schemas.microsoft.com/office/drawing/2010/main" xmlns="" w="9525">
                 <a:solidFill>
                   <a:srgbClr val="000000"/>
                 </a:solidFill>
@@ -2765,14 +2765,14 @@
           <a:noFill/>
           <a:extLst>
             <a:ext uri="{909E8E84-426E-40DD-AFC4-6F175D3DCCD1}">
-              <a14:hiddenFill xmlns:a14="http://schemas.microsoft.com/office/drawing/2010/main">
+              <a14:hiddenFill xmlns:a14="http://schemas.microsoft.com/office/drawing/2010/main" xmlns="">
                 <a:solidFill>
                   <a:srgbClr val="FFFFFF"/>
                 </a:solidFill>
               </a14:hiddenFill>
             </a:ext>
             <a:ext uri="{91240B29-F687-4F45-9708-019B960494DF}">
-              <a14:hiddenLine xmlns:a14="http://schemas.microsoft.com/office/drawing/2010/main" w="9525" cap="flat">
+              <a14:hiddenLine xmlns:a14="http://schemas.microsoft.com/office/drawing/2010/main" xmlns="" w="9525" cap="flat">
                 <a:solidFill>
                   <a:srgbClr val="000000"/>
                 </a:solidFill>
@@ -2794,7 +2794,7 @@
     </p:spTree>
     <p:extLst>
       <p:ext uri="{BB962C8B-B14F-4D97-AF65-F5344CB8AC3E}">
-        <p14:creationId xmlns:p14="http://schemas.microsoft.com/office/powerpoint/2010/main" val="801433028"/>
+        <p14:creationId xmlns:p14="http://schemas.microsoft.com/office/powerpoint/2010/main" xmlns="" val="801433028"/>
       </p:ext>
     </p:extLst>
   </p:cSld>
@@ -2843,14 +2843,14 @@
           <a:noFill/>
           <a:extLst>
             <a:ext uri="{909E8E84-426E-40DD-AFC4-6F175D3DCCD1}">
-              <a14:hiddenFill xmlns:a14="http://schemas.microsoft.com/office/drawing/2010/main">
+              <a14:hiddenFill xmlns:a14="http://schemas.microsoft.com/office/drawing/2010/main" xmlns="">
                 <a:solidFill>
                   <a:srgbClr val="FFFFFF"/>
                 </a:solidFill>
               </a14:hiddenFill>
             </a:ext>
             <a:ext uri="{91240B29-F687-4F45-9708-019B960494DF}">
-              <a14:hiddenLine xmlns:a14="http://schemas.microsoft.com/office/drawing/2010/main" w="9525">
+              <a14:hiddenLine xmlns:a14="http://schemas.microsoft.com/office/drawing/2010/main" xmlns="" w="9525">
                 <a:solidFill>
                   <a:srgbClr val="000000"/>
                 </a:solidFill>
@@ -3002,14 +3002,14 @@
           <a:noFill/>
           <a:extLst>
             <a:ext uri="{909E8E84-426E-40DD-AFC4-6F175D3DCCD1}">
-              <a14:hiddenFill xmlns:a14="http://schemas.microsoft.com/office/drawing/2010/main">
+              <a14:hiddenFill xmlns:a14="http://schemas.microsoft.com/office/drawing/2010/main" xmlns="">
                 <a:solidFill>
                   <a:srgbClr val="FFFFFF"/>
                 </a:solidFill>
               </a14:hiddenFill>
             </a:ext>
             <a:ext uri="{91240B29-F687-4F45-9708-019B960494DF}">
-              <a14:hiddenLine xmlns:a14="http://schemas.microsoft.com/office/drawing/2010/main" w="9525" cap="flat">
+              <a14:hiddenLine xmlns:a14="http://schemas.microsoft.com/office/drawing/2010/main" xmlns="" w="9525" cap="flat">
                 <a:solidFill>
                   <a:srgbClr val="000000"/>
                 </a:solidFill>
@@ -3031,7 +3031,7 @@
     </p:spTree>
     <p:extLst>
       <p:ext uri="{BB962C8B-B14F-4D97-AF65-F5344CB8AC3E}">
-        <p14:creationId xmlns:p14="http://schemas.microsoft.com/office/powerpoint/2010/main" val="89530399"/>
+        <p14:creationId xmlns:p14="http://schemas.microsoft.com/office/powerpoint/2010/main" xmlns="" val="89530399"/>
       </p:ext>
     </p:extLst>
   </p:cSld>
@@ -3158,7 +3158,7 @@
     </p:spTree>
     <p:extLst>
       <p:ext uri="{BB962C8B-B14F-4D97-AF65-F5344CB8AC3E}">
-        <p14:creationId xmlns:p14="http://schemas.microsoft.com/office/powerpoint/2010/main" val="838868328"/>
+        <p14:creationId xmlns:p14="http://schemas.microsoft.com/office/powerpoint/2010/main" xmlns="" val="838868328"/>
       </p:ext>
     </p:extLst>
   </p:cSld>
@@ -3295,7 +3295,7 @@
               <a:pPr>
                 <a:defRPr/>
               </a:pPr>
-              <a:t>12/17/2017</a:t>
+              <a:t>12/20/2017</a:t>
             </a:fld>
             <a:endParaRPr lang="en-US" altLang="en-US"/>
           </a:p>
@@ -3381,7 +3381,7 @@
     </p:spTree>
     <p:extLst>
       <p:ext uri="{BB962C8B-B14F-4D97-AF65-F5344CB8AC3E}">
-        <p14:creationId xmlns:p14="http://schemas.microsoft.com/office/powerpoint/2010/main" val="1853066025"/>
+        <p14:creationId xmlns:p14="http://schemas.microsoft.com/office/powerpoint/2010/main" xmlns="" val="1853066025"/>
       </p:ext>
     </p:extLst>
   </p:cSld>
@@ -3528,7 +3528,7 @@
               <a:pPr>
                 <a:defRPr/>
               </a:pPr>
-              <a:t>12/17/2017</a:t>
+              <a:t>12/20/2017</a:t>
             </a:fld>
             <a:endParaRPr lang="en-US" altLang="en-US"/>
           </a:p>
@@ -3614,7 +3614,7 @@
     </p:spTree>
     <p:extLst>
       <p:ext uri="{BB962C8B-B14F-4D97-AF65-F5344CB8AC3E}">
-        <p14:creationId xmlns:p14="http://schemas.microsoft.com/office/powerpoint/2010/main" val="140895104"/>
+        <p14:creationId xmlns:p14="http://schemas.microsoft.com/office/powerpoint/2010/main" xmlns="" val="140895104"/>
       </p:ext>
     </p:extLst>
   </p:cSld>
@@ -3719,7 +3719,7 @@
     </p:spTree>
     <p:extLst>
       <p:ext uri="{BB962C8B-B14F-4D97-AF65-F5344CB8AC3E}">
-        <p14:creationId xmlns:p14="http://schemas.microsoft.com/office/powerpoint/2010/main" val="3925229322"/>
+        <p14:creationId xmlns:p14="http://schemas.microsoft.com/office/powerpoint/2010/main" xmlns="" val="3925229322"/>
       </p:ext>
     </p:extLst>
   </p:cSld>
@@ -3846,7 +3846,7 @@
     </p:spTree>
     <p:extLst>
       <p:ext uri="{BB962C8B-B14F-4D97-AF65-F5344CB8AC3E}">
-        <p14:creationId xmlns:p14="http://schemas.microsoft.com/office/powerpoint/2010/main" val="2045844294"/>
+        <p14:creationId xmlns:p14="http://schemas.microsoft.com/office/powerpoint/2010/main" xmlns="" val="2045844294"/>
       </p:ext>
     </p:extLst>
   </p:cSld>
@@ -4013,7 +4013,7 @@
     </p:spTree>
     <p:extLst>
       <p:ext uri="{BB962C8B-B14F-4D97-AF65-F5344CB8AC3E}">
-        <p14:creationId xmlns:p14="http://schemas.microsoft.com/office/powerpoint/2010/main" val="3355632790"/>
+        <p14:creationId xmlns:p14="http://schemas.microsoft.com/office/powerpoint/2010/main" xmlns="" val="3355632790"/>
       </p:ext>
     </p:extLst>
   </p:cSld>
@@ -4315,7 +4315,7 @@
     </p:spTree>
     <p:extLst>
       <p:ext uri="{BB962C8B-B14F-4D97-AF65-F5344CB8AC3E}">
-        <p14:creationId xmlns:p14="http://schemas.microsoft.com/office/powerpoint/2010/main" val="3325558400"/>
+        <p14:creationId xmlns:p14="http://schemas.microsoft.com/office/powerpoint/2010/main" xmlns="" val="3325558400"/>
       </p:ext>
     </p:extLst>
   </p:cSld>
@@ -4400,7 +4400,7 @@
               <a:pPr>
                 <a:defRPr/>
               </a:pPr>
-              <a:t>12/17/2017</a:t>
+              <a:t>12/20/2017</a:t>
             </a:fld>
             <a:endParaRPr lang="en-US" altLang="en-US"/>
           </a:p>
@@ -4486,7 +4486,7 @@
     </p:spTree>
     <p:extLst>
       <p:ext uri="{BB962C8B-B14F-4D97-AF65-F5344CB8AC3E}">
-        <p14:creationId xmlns:p14="http://schemas.microsoft.com/office/powerpoint/2010/main" val="283386001"/>
+        <p14:creationId xmlns:p14="http://schemas.microsoft.com/office/powerpoint/2010/main" xmlns="" val="283386001"/>
       </p:ext>
     </p:extLst>
   </p:cSld>
@@ -4548,7 +4548,7 @@
               <a:pPr>
                 <a:defRPr/>
               </a:pPr>
-              <a:t>12/17/2017</a:t>
+              <a:t>12/20/2017</a:t>
             </a:fld>
             <a:endParaRPr lang="en-US" altLang="en-US"/>
           </a:p>
@@ -4634,7 +4634,7 @@
     </p:spTree>
     <p:extLst>
       <p:ext uri="{BB962C8B-B14F-4D97-AF65-F5344CB8AC3E}">
-        <p14:creationId xmlns:p14="http://schemas.microsoft.com/office/powerpoint/2010/main" val="775374186"/>
+        <p14:creationId xmlns:p14="http://schemas.microsoft.com/office/powerpoint/2010/main" xmlns="" val="775374186"/>
       </p:ext>
     </p:extLst>
   </p:cSld>
@@ -4878,7 +4878,7 @@
               <a:pPr>
                 <a:defRPr/>
               </a:pPr>
-              <a:t>12/17/2017</a:t>
+              <a:t>12/20/2017</a:t>
             </a:fld>
             <a:endParaRPr lang="en-US" altLang="en-US"/>
           </a:p>
@@ -4964,7 +4964,7 @@
     </p:spTree>
     <p:extLst>
       <p:ext uri="{BB962C8B-B14F-4D97-AF65-F5344CB8AC3E}">
-        <p14:creationId xmlns:p14="http://schemas.microsoft.com/office/powerpoint/2010/main" val="1227444935"/>
+        <p14:creationId xmlns:p14="http://schemas.microsoft.com/office/powerpoint/2010/main" xmlns="" val="1227444935"/>
       </p:ext>
     </p:extLst>
   </p:cSld>
@@ -5185,7 +5185,7 @@
               <a:pPr>
                 <a:defRPr/>
               </a:pPr>
-              <a:t>12/17/2017</a:t>
+              <a:t>12/20/2017</a:t>
             </a:fld>
             <a:endParaRPr lang="en-US" altLang="en-US"/>
           </a:p>
@@ -5271,7 +5271,7 @@
     </p:spTree>
     <p:extLst>
       <p:ext uri="{BB962C8B-B14F-4D97-AF65-F5344CB8AC3E}">
-        <p14:creationId xmlns:p14="http://schemas.microsoft.com/office/powerpoint/2010/main" val="3323984779"/>
+        <p14:creationId xmlns:p14="http://schemas.microsoft.com/office/powerpoint/2010/main" xmlns="" val="3323984779"/>
       </p:ext>
     </p:extLst>
   </p:cSld>
@@ -5330,14 +5330,14 @@
           </a:ln>
           <a:extLst>
             <a:ext uri="{909E8E84-426E-40DD-AFC4-6F175D3DCCD1}">
-              <a14:hiddenFill xmlns:a14="http://schemas.microsoft.com/office/drawing/2010/main">
+              <a14:hiddenFill xmlns:a14="http://schemas.microsoft.com/office/drawing/2010/main" xmlns="">
                 <a:solidFill>
                   <a:srgbClr val="FFFFFF"/>
                 </a:solidFill>
               </a14:hiddenFill>
             </a:ext>
             <a:ext uri="{91240B29-F687-4F45-9708-019B960494DF}">
-              <a14:hiddenLine xmlns:a14="http://schemas.microsoft.com/office/drawing/2010/main" w="9525">
+              <a14:hiddenLine xmlns:a14="http://schemas.microsoft.com/office/drawing/2010/main" xmlns="" w="9525">
                 <a:solidFill>
                   <a:srgbClr val="000000"/>
                 </a:solidFill>
@@ -5388,14 +5388,14 @@
           </a:ln>
           <a:extLst>
             <a:ext uri="{909E8E84-426E-40DD-AFC4-6F175D3DCCD1}">
-              <a14:hiddenFill xmlns:a14="http://schemas.microsoft.com/office/drawing/2010/main">
+              <a14:hiddenFill xmlns:a14="http://schemas.microsoft.com/office/drawing/2010/main" xmlns="">
                 <a:solidFill>
                   <a:srgbClr val="FFFFFF"/>
                 </a:solidFill>
               </a14:hiddenFill>
             </a:ext>
             <a:ext uri="{91240B29-F687-4F45-9708-019B960494DF}">
-              <a14:hiddenLine xmlns:a14="http://schemas.microsoft.com/office/drawing/2010/main" w="9525">
+              <a14:hiddenLine xmlns:a14="http://schemas.microsoft.com/office/drawing/2010/main" xmlns="" w="9525">
                 <a:solidFill>
                   <a:srgbClr val="000000"/>
                 </a:solidFill>
@@ -5898,14 +5898,14 @@
           </a:ln>
           <a:extLst>
             <a:ext uri="{909E8E84-426E-40DD-AFC4-6F175D3DCCD1}">
-              <a14:hiddenFill xmlns:a14="http://schemas.microsoft.com/office/drawing/2010/main">
+              <a14:hiddenFill xmlns:a14="http://schemas.microsoft.com/office/drawing/2010/main" xmlns="">
                 <a:solidFill>
                   <a:srgbClr val="FFFFFF"/>
                 </a:solidFill>
               </a14:hiddenFill>
             </a:ext>
             <a:ext uri="{91240B29-F687-4F45-9708-019B960494DF}">
-              <a14:hiddenLine xmlns:a14="http://schemas.microsoft.com/office/drawing/2010/main" w="9525">
+              <a14:hiddenLine xmlns:a14="http://schemas.microsoft.com/office/drawing/2010/main" xmlns="" w="9525">
                 <a:solidFill>
                   <a:srgbClr val="000000"/>
                 </a:solidFill>
@@ -6276,14 +6276,14 @@
           </a:ln>
           <a:extLst>
             <a:ext uri="{909E8E84-426E-40DD-AFC4-6F175D3DCCD1}">
-              <a14:hiddenFill xmlns:a14="http://schemas.microsoft.com/office/drawing/2010/main">
+              <a14:hiddenFill xmlns:a14="http://schemas.microsoft.com/office/drawing/2010/main" xmlns="">
                 <a:solidFill>
                   <a:srgbClr val="FFFFFF"/>
                 </a:solidFill>
               </a14:hiddenFill>
             </a:ext>
             <a:ext uri="{91240B29-F687-4F45-9708-019B960494DF}">
-              <a14:hiddenLine xmlns:a14="http://schemas.microsoft.com/office/drawing/2010/main" w="9525">
+              <a14:hiddenLine xmlns:a14="http://schemas.microsoft.com/office/drawing/2010/main" xmlns="" w="9525">
                 <a:solidFill>
                   <a:srgbClr val="000000"/>
                 </a:solidFill>
@@ -6641,14 +6641,14 @@
           </a:ln>
           <a:extLst>
             <a:ext uri="{909E8E84-426E-40DD-AFC4-6F175D3DCCD1}">
-              <a14:hiddenFill xmlns:a14="http://schemas.microsoft.com/office/drawing/2010/main">
+              <a14:hiddenFill xmlns:a14="http://schemas.microsoft.com/office/drawing/2010/main" xmlns="">
                 <a:solidFill>
                   <a:srgbClr val="FFFFFF"/>
                 </a:solidFill>
               </a14:hiddenFill>
             </a:ext>
             <a:ext uri="{91240B29-F687-4F45-9708-019B960494DF}">
-              <a14:hiddenLine xmlns:a14="http://schemas.microsoft.com/office/drawing/2010/main" w="9525">
+              <a14:hiddenLine xmlns:a14="http://schemas.microsoft.com/office/drawing/2010/main" xmlns="" w="9525">
                 <a:solidFill>
                   <a:srgbClr val="000000"/>
                 </a:solidFill>
@@ -7089,10 +7089,10 @@
           <p:nvPr/>
         </p:nvPicPr>
         <p:blipFill>
-          <a:blip r:embed="rId2">
+          <a:blip r:embed="rId2" cstate="print">
             <a:extLst>
               <a:ext uri="{28A0092B-C50C-407E-A947-70E740481C1C}">
-                <a14:useLocalDpi xmlns:a14="http://schemas.microsoft.com/office/drawing/2010/main" val="0"/>
+                <a14:useLocalDpi xmlns:a14="http://schemas.microsoft.com/office/drawing/2010/main" xmlns="" val="0"/>
               </a:ext>
             </a:extLst>
           </a:blip>
@@ -7115,14 +7115,14 @@
           </a:ln>
           <a:extLst>
             <a:ext uri="{909E8E84-426E-40DD-AFC4-6F175D3DCCD1}">
-              <a14:hiddenFill xmlns:a14="http://schemas.microsoft.com/office/drawing/2010/main">
+              <a14:hiddenFill xmlns:a14="http://schemas.microsoft.com/office/drawing/2010/main" xmlns="">
                 <a:solidFill>
                   <a:srgbClr val="FFFFFF"/>
                 </a:solidFill>
               </a14:hiddenFill>
             </a:ext>
             <a:ext uri="{91240B29-F687-4F45-9708-019B960494DF}">
-              <a14:hiddenLine xmlns:a14="http://schemas.microsoft.com/office/drawing/2010/main" w="9525">
+              <a14:hiddenLine xmlns:a14="http://schemas.microsoft.com/office/drawing/2010/main" xmlns="" w="9525">
                 <a:solidFill>
                   <a:srgbClr val="000000"/>
                 </a:solidFill>
@@ -7137,7 +7137,7 @@
     </p:spTree>
     <p:extLst>
       <p:ext uri="{BB962C8B-B14F-4D97-AF65-F5344CB8AC3E}">
-        <p14:creationId xmlns:p14="http://schemas.microsoft.com/office/powerpoint/2010/main" val="43375360"/>
+        <p14:creationId xmlns:p14="http://schemas.microsoft.com/office/powerpoint/2010/main" xmlns="" val="43375360"/>
       </p:ext>
     </p:extLst>
   </p:cSld>
@@ -7233,7 +7233,7 @@
     </p:spTree>
     <p:extLst>
       <p:ext uri="{BB962C8B-B14F-4D97-AF65-F5344CB8AC3E}">
-        <p14:creationId xmlns:p14="http://schemas.microsoft.com/office/powerpoint/2010/main" val="1530511410"/>
+        <p14:creationId xmlns:p14="http://schemas.microsoft.com/office/powerpoint/2010/main" xmlns="" val="1530511410"/>
       </p:ext>
     </p:extLst>
   </p:cSld>
@@ -7282,14 +7282,14 @@
           </a:ln>
           <a:extLst>
             <a:ext uri="{909E8E84-426E-40DD-AFC4-6F175D3DCCD1}">
-              <a14:hiddenFill xmlns:a14="http://schemas.microsoft.com/office/drawing/2010/main">
+              <a14:hiddenFill xmlns:a14="http://schemas.microsoft.com/office/drawing/2010/main" xmlns="">
                 <a:solidFill>
                   <a:srgbClr val="FFFFFF"/>
                 </a:solidFill>
               </a14:hiddenFill>
             </a:ext>
             <a:ext uri="{91240B29-F687-4F45-9708-019B960494DF}">
-              <a14:hiddenLine xmlns:a14="http://schemas.microsoft.com/office/drawing/2010/main" w="9525">
+              <a14:hiddenLine xmlns:a14="http://schemas.microsoft.com/office/drawing/2010/main" xmlns="" w="9525">
                 <a:solidFill>
                   <a:srgbClr val="000000"/>
                 </a:solidFill>
@@ -7427,14 +7427,14 @@
           </a:ln>
           <a:extLst>
             <a:ext uri="{909E8E84-426E-40DD-AFC4-6F175D3DCCD1}">
-              <a14:hiddenFill xmlns:a14="http://schemas.microsoft.com/office/drawing/2010/main">
+              <a14:hiddenFill xmlns:a14="http://schemas.microsoft.com/office/drawing/2010/main" xmlns="">
                 <a:solidFill>
                   <a:srgbClr val="FFFFFF"/>
                 </a:solidFill>
               </a14:hiddenFill>
             </a:ext>
             <a:ext uri="{91240B29-F687-4F45-9708-019B960494DF}">
-              <a14:hiddenLine xmlns:a14="http://schemas.microsoft.com/office/drawing/2010/main" w="9525">
+              <a14:hiddenLine xmlns:a14="http://schemas.microsoft.com/office/drawing/2010/main" xmlns="" w="9525">
                 <a:solidFill>
                   <a:srgbClr val="000000"/>
                 </a:solidFill>
@@ -8391,10 +8391,10 @@
           <p:nvPr/>
         </p:nvPicPr>
         <p:blipFill>
-          <a:blip r:embed="rId3">
+          <a:blip r:embed="rId3" cstate="print">
             <a:extLst>
               <a:ext uri="{28A0092B-C50C-407E-A947-70E740481C1C}">
-                <a14:useLocalDpi xmlns:a14="http://schemas.microsoft.com/office/drawing/2010/main" val="0"/>
+                <a14:useLocalDpi xmlns:a14="http://schemas.microsoft.com/office/drawing/2010/main" xmlns="" val="0"/>
               </a:ext>
             </a:extLst>
           </a:blip>
@@ -8417,14 +8417,14 @@
           </a:ln>
           <a:extLst>
             <a:ext uri="{909E8E84-426E-40DD-AFC4-6F175D3DCCD1}">
-              <a14:hiddenFill xmlns:a14="http://schemas.microsoft.com/office/drawing/2010/main">
+              <a14:hiddenFill xmlns:a14="http://schemas.microsoft.com/office/drawing/2010/main" xmlns="">
                 <a:solidFill>
                   <a:srgbClr val="FFFFFF"/>
                 </a:solidFill>
               </a14:hiddenFill>
             </a:ext>
             <a:ext uri="{91240B29-F687-4F45-9708-019B960494DF}">
-              <a14:hiddenLine xmlns:a14="http://schemas.microsoft.com/office/drawing/2010/main" w="9525">
+              <a14:hiddenLine xmlns:a14="http://schemas.microsoft.com/office/drawing/2010/main" xmlns="" w="9525">
                 <a:solidFill>
                   <a:srgbClr val="000000"/>
                 </a:solidFill>
@@ -8612,7 +8612,7 @@
     </p:spTree>
     <p:extLst>
       <p:ext uri="{BB962C8B-B14F-4D97-AF65-F5344CB8AC3E}">
-        <p14:creationId xmlns:p14="http://schemas.microsoft.com/office/powerpoint/2010/main" val="3258430430"/>
+        <p14:creationId xmlns:p14="http://schemas.microsoft.com/office/powerpoint/2010/main" xmlns="" val="3258430430"/>
       </p:ext>
     </p:extLst>
   </p:cSld>
@@ -8698,7 +8698,7 @@
     </p:spTree>
     <p:extLst>
       <p:ext uri="{BB962C8B-B14F-4D97-AF65-F5344CB8AC3E}">
-        <p14:creationId xmlns:p14="http://schemas.microsoft.com/office/powerpoint/2010/main" val="2414545706"/>
+        <p14:creationId xmlns:p14="http://schemas.microsoft.com/office/powerpoint/2010/main" xmlns="" val="2414545706"/>
       </p:ext>
     </p:extLst>
   </p:cSld>
@@ -9215,7 +9215,7 @@
     </p:spTree>
     <p:extLst>
       <p:ext uri="{BB962C8B-B14F-4D97-AF65-F5344CB8AC3E}">
-        <p14:creationId xmlns:p14="http://schemas.microsoft.com/office/powerpoint/2010/main" val="3336137919"/>
+        <p14:creationId xmlns:p14="http://schemas.microsoft.com/office/powerpoint/2010/main" xmlns="" val="3336137919"/>
       </p:ext>
     </p:extLst>
   </p:cSld>
@@ -9264,14 +9264,14 @@
           </a:ln>
           <a:extLst>
             <a:ext uri="{909E8E84-426E-40DD-AFC4-6F175D3DCCD1}">
-              <a14:hiddenFill xmlns:a14="http://schemas.microsoft.com/office/drawing/2010/main">
+              <a14:hiddenFill xmlns:a14="http://schemas.microsoft.com/office/drawing/2010/main" xmlns="">
                 <a:solidFill>
                   <a:srgbClr val="FFFFFF"/>
                 </a:solidFill>
               </a14:hiddenFill>
             </a:ext>
             <a:ext uri="{91240B29-F687-4F45-9708-019B960494DF}">
-              <a14:hiddenLine xmlns:a14="http://schemas.microsoft.com/office/drawing/2010/main" w="9525">
+              <a14:hiddenLine xmlns:a14="http://schemas.microsoft.com/office/drawing/2010/main" xmlns="" w="9525">
                 <a:solidFill>
                   <a:srgbClr val="000000"/>
                 </a:solidFill>
@@ -9625,14 +9625,14 @@
           </a:ln>
           <a:extLst>
             <a:ext uri="{909E8E84-426E-40DD-AFC4-6F175D3DCCD1}">
-              <a14:hiddenFill xmlns:a14="http://schemas.microsoft.com/office/drawing/2010/main">
+              <a14:hiddenFill xmlns:a14="http://schemas.microsoft.com/office/drawing/2010/main" xmlns="">
                 <a:solidFill>
                   <a:srgbClr val="FFFFFF"/>
                 </a:solidFill>
               </a14:hiddenFill>
             </a:ext>
             <a:ext uri="{91240B29-F687-4F45-9708-019B960494DF}">
-              <a14:hiddenLine xmlns:a14="http://schemas.microsoft.com/office/drawing/2010/main" w="9525">
+              <a14:hiddenLine xmlns:a14="http://schemas.microsoft.com/office/drawing/2010/main" xmlns="" w="9525">
                 <a:solidFill>
                   <a:srgbClr val="000000"/>
                 </a:solidFill>
@@ -10226,7 +10226,7 @@
     </p:spTree>
     <p:extLst>
       <p:ext uri="{BB962C8B-B14F-4D97-AF65-F5344CB8AC3E}">
-        <p14:creationId xmlns:p14="http://schemas.microsoft.com/office/powerpoint/2010/main" val="4227802773"/>
+        <p14:creationId xmlns:p14="http://schemas.microsoft.com/office/powerpoint/2010/main" xmlns="" val="4227802773"/>
       </p:ext>
     </p:extLst>
   </p:cSld>
@@ -10304,7 +10304,7 @@
           <p:nvPr/>
         </p:nvPicPr>
         <p:blipFill>
-          <a:blip r:embed="rId2"/>
+          <a:blip r:embed="rId2" cstate="print"/>
           <a:stretch>
             <a:fillRect/>
           </a:stretch>
@@ -10322,7 +10322,7 @@
     </p:spTree>
     <p:extLst>
       <p:ext uri="{BB962C8B-B14F-4D97-AF65-F5344CB8AC3E}">
-        <p14:creationId xmlns:p14="http://schemas.microsoft.com/office/powerpoint/2010/main" val="3050608679"/>
+        <p14:creationId xmlns:p14="http://schemas.microsoft.com/office/powerpoint/2010/main" xmlns="" val="3050608679"/>
       </p:ext>
     </p:extLst>
   </p:cSld>
@@ -10413,10 +10413,10 @@
           <p:nvPr/>
         </p:nvPicPr>
         <p:blipFill>
-          <a:blip r:embed="rId2">
+          <a:blip r:embed="rId2" cstate="print">
             <a:extLst>
               <a:ext uri="{28A0092B-C50C-407E-A947-70E740481C1C}">
-                <a14:useLocalDpi xmlns:a14="http://schemas.microsoft.com/office/drawing/2010/main" val="0"/>
+                <a14:useLocalDpi xmlns:a14="http://schemas.microsoft.com/office/drawing/2010/main" xmlns="" val="0"/>
               </a:ext>
             </a:extLst>
           </a:blip>
@@ -10443,7 +10443,7 @@
           <p:nvPr/>
         </p:nvPicPr>
         <p:blipFill>
-          <a:blip r:embed="rId3"/>
+          <a:blip r:embed="rId3" cstate="print"/>
           <a:stretch>
             <a:fillRect/>
           </a:stretch>
@@ -10461,7 +10461,7 @@
     </p:spTree>
     <p:extLst>
       <p:ext uri="{BB962C8B-B14F-4D97-AF65-F5344CB8AC3E}">
-        <p14:creationId xmlns:p14="http://schemas.microsoft.com/office/powerpoint/2010/main" val="1163105487"/>
+        <p14:creationId xmlns:p14="http://schemas.microsoft.com/office/powerpoint/2010/main" xmlns="" val="1163105487"/>
       </p:ext>
     </p:extLst>
   </p:cSld>
@@ -10582,7 +10582,7 @@
     </p:spTree>
     <p:extLst>
       <p:ext uri="{BB962C8B-B14F-4D97-AF65-F5344CB8AC3E}">
-        <p14:creationId xmlns:p14="http://schemas.microsoft.com/office/powerpoint/2010/main" val="3597948718"/>
+        <p14:creationId xmlns:p14="http://schemas.microsoft.com/office/powerpoint/2010/main" xmlns="" val="3597948718"/>
       </p:ext>
     </p:extLst>
   </p:cSld>
@@ -10665,7 +10665,7 @@
           <p:nvPr/>
         </p:nvPicPr>
         <p:blipFill>
-          <a:blip r:embed="rId2"/>
+          <a:blip r:embed="rId2" cstate="print"/>
           <a:stretch>
             <a:fillRect/>
           </a:stretch>
@@ -10724,7 +10724,7 @@
     </p:spTree>
     <p:extLst>
       <p:ext uri="{BB962C8B-B14F-4D97-AF65-F5344CB8AC3E}">
-        <p14:creationId xmlns:p14="http://schemas.microsoft.com/office/powerpoint/2010/main" val="2669082187"/>
+        <p14:creationId xmlns:p14="http://schemas.microsoft.com/office/powerpoint/2010/main" xmlns="" val="2669082187"/>
       </p:ext>
     </p:extLst>
   </p:cSld>
@@ -10838,7 +10838,7 @@
     </p:spTree>
     <p:extLst>
       <p:ext uri="{BB962C8B-B14F-4D97-AF65-F5344CB8AC3E}">
-        <p14:creationId xmlns:p14="http://schemas.microsoft.com/office/powerpoint/2010/main" val="1114112313"/>
+        <p14:creationId xmlns:p14="http://schemas.microsoft.com/office/powerpoint/2010/main" xmlns="" val="1114112313"/>
       </p:ext>
     </p:extLst>
   </p:cSld>
@@ -10921,7 +10921,7 @@
           <p:nvPr/>
         </p:nvPicPr>
         <p:blipFill>
-          <a:blip r:embed="rId2"/>
+          <a:blip r:embed="rId2" cstate="print"/>
           <a:stretch>
             <a:fillRect/>
           </a:stretch>
@@ -10939,7 +10939,7 @@
     </p:spTree>
     <p:extLst>
       <p:ext uri="{BB962C8B-B14F-4D97-AF65-F5344CB8AC3E}">
-        <p14:creationId xmlns:p14="http://schemas.microsoft.com/office/powerpoint/2010/main" val="1250858242"/>
+        <p14:creationId xmlns:p14="http://schemas.microsoft.com/office/powerpoint/2010/main" xmlns="" val="1250858242"/>
       </p:ext>
     </p:extLst>
   </p:cSld>
@@ -11078,7 +11078,7 @@
     </p:spTree>
     <p:extLst>
       <p:ext uri="{BB962C8B-B14F-4D97-AF65-F5344CB8AC3E}">
-        <p14:creationId xmlns:p14="http://schemas.microsoft.com/office/powerpoint/2010/main" val="1350621019"/>
+        <p14:creationId xmlns:p14="http://schemas.microsoft.com/office/powerpoint/2010/main" xmlns="" val="1350621019"/>
       </p:ext>
     </p:extLst>
   </p:cSld>
@@ -11156,7 +11156,7 @@
           <p:nvPr/>
         </p:nvPicPr>
         <p:blipFill>
-          <a:blip r:embed="rId2"/>
+          <a:blip r:embed="rId2" cstate="print"/>
           <a:stretch>
             <a:fillRect/>
           </a:stretch>
@@ -11174,7 +11174,7 @@
     </p:spTree>
     <p:extLst>
       <p:ext uri="{BB962C8B-B14F-4D97-AF65-F5344CB8AC3E}">
-        <p14:creationId xmlns:p14="http://schemas.microsoft.com/office/powerpoint/2010/main" val="276155580"/>
+        <p14:creationId xmlns:p14="http://schemas.microsoft.com/office/powerpoint/2010/main" xmlns="" val="276155580"/>
       </p:ext>
     </p:extLst>
   </p:cSld>
@@ -11252,7 +11252,7 @@
           <p:nvPr/>
         </p:nvPicPr>
         <p:blipFill>
-          <a:blip r:embed="rId2"/>
+          <a:blip r:embed="rId2" cstate="print"/>
           <a:stretch>
             <a:fillRect/>
           </a:stretch>
@@ -11276,7 +11276,7 @@
           <p:nvPr/>
         </p:nvPicPr>
         <p:blipFill>
-          <a:blip r:embed="rId3"/>
+          <a:blip r:embed="rId3" cstate="print"/>
           <a:stretch>
             <a:fillRect/>
           </a:stretch>
@@ -11334,7 +11334,7 @@
     </p:spTree>
     <p:extLst>
       <p:ext uri="{BB962C8B-B14F-4D97-AF65-F5344CB8AC3E}">
-        <p14:creationId xmlns:p14="http://schemas.microsoft.com/office/powerpoint/2010/main" val="4116669895"/>
+        <p14:creationId xmlns:p14="http://schemas.microsoft.com/office/powerpoint/2010/main" xmlns="" val="4116669895"/>
       </p:ext>
     </p:extLst>
   </p:cSld>
@@ -11401,7 +11401,15 @@
           <a:p>
             <a:r>
               <a:rPr lang="en-GB" dirty="0" smtClean="0"/>
-              <a:t>Write down a simple `forms’ html/</a:t>
+              <a:t>Write down a simple `</a:t>
+            </a:r>
+            <a:r>
+              <a:rPr lang="en-GB" dirty="0" smtClean="0"/>
+              <a:t>form’ </a:t>
+            </a:r>
+            <a:r>
+              <a:rPr lang="en-GB" dirty="0" smtClean="0"/>
+              <a:t>html/</a:t>
             </a:r>
             <a:r>
               <a:rPr lang="en-GB" dirty="0" err="1" smtClean="0"/>
@@ -11412,12 +11420,20 @@
               <a:t> example – which will trigger (call) </a:t>
             </a:r>
             <a:r>
+              <a:rPr lang="en-GB" dirty="0" smtClean="0"/>
+              <a:t>a </a:t>
+            </a:r>
+            <a:r>
               <a:rPr lang="en-GB" dirty="0" err="1" smtClean="0"/>
               <a:t>javascript</a:t>
             </a:r>
             <a:r>
               <a:rPr lang="en-GB" dirty="0" smtClean="0"/>
-              <a:t> function</a:t>
+              <a:t> </a:t>
+            </a:r>
+            <a:r>
+              <a:rPr lang="en-GB" dirty="0" smtClean="0"/>
+              <a:t>function</a:t>
             </a:r>
             <a:endParaRPr lang="en-GB" dirty="0"/>
           </a:p>
@@ -11426,7 +11442,7 @@
     </p:spTree>
     <p:extLst>
       <p:ext uri="{BB962C8B-B14F-4D97-AF65-F5344CB8AC3E}">
-        <p14:creationId xmlns:p14="http://schemas.microsoft.com/office/powerpoint/2010/main" val="3414821898"/>
+        <p14:creationId xmlns:p14="http://schemas.microsoft.com/office/powerpoint/2010/main" xmlns="" val="3414821898"/>
       </p:ext>
     </p:extLst>
   </p:cSld>
@@ -11520,7 +11536,7 @@
     </p:spTree>
     <p:extLst>
       <p:ext uri="{BB962C8B-B14F-4D97-AF65-F5344CB8AC3E}">
-        <p14:creationId xmlns:p14="http://schemas.microsoft.com/office/powerpoint/2010/main" val="3308129782"/>
+        <p14:creationId xmlns:p14="http://schemas.microsoft.com/office/powerpoint/2010/main" xmlns="" val="3308129782"/>
       </p:ext>
     </p:extLst>
   </p:cSld>
@@ -11611,7 +11627,7 @@
           <p:nvPr/>
         </p:nvPicPr>
         <p:blipFill>
-          <a:blip r:embed="rId2"/>
+          <a:blip r:embed="rId2" cstate="print"/>
           <a:stretch>
             <a:fillRect/>
           </a:stretch>
@@ -11830,7 +11846,7 @@
     </p:spTree>
     <p:extLst>
       <p:ext uri="{BB962C8B-B14F-4D97-AF65-F5344CB8AC3E}">
-        <p14:creationId xmlns:p14="http://schemas.microsoft.com/office/powerpoint/2010/main" val="3468836954"/>
+        <p14:creationId xmlns:p14="http://schemas.microsoft.com/office/powerpoint/2010/main" xmlns="" val="3468836954"/>
       </p:ext>
     </p:extLst>
   </p:cSld>
@@ -12055,14 +12071,13 @@
               <a:rPr lang="en-GB" sz="2000" dirty="0"/>
               <a:t>);</a:t>
             </a:r>
-            <a:endParaRPr lang="en-GB" sz="2000" dirty="0"/>
           </a:p>
         </p:txBody>
       </p:sp>
     </p:spTree>
     <p:extLst>
       <p:ext uri="{BB962C8B-B14F-4D97-AF65-F5344CB8AC3E}">
-        <p14:creationId xmlns:p14="http://schemas.microsoft.com/office/powerpoint/2010/main" val="1825214405"/>
+        <p14:creationId xmlns:p14="http://schemas.microsoft.com/office/powerpoint/2010/main" xmlns="" val="1825214405"/>
       </p:ext>
     </p:extLst>
   </p:cSld>
@@ -12161,7 +12176,7 @@
     </p:spTree>
     <p:extLst>
       <p:ext uri="{BB962C8B-B14F-4D97-AF65-F5344CB8AC3E}">
-        <p14:creationId xmlns:p14="http://schemas.microsoft.com/office/powerpoint/2010/main" val="3781033234"/>
+        <p14:creationId xmlns:p14="http://schemas.microsoft.com/office/powerpoint/2010/main" xmlns="" val="3781033234"/>
       </p:ext>
     </p:extLst>
   </p:cSld>
@@ -12271,7 +12286,7 @@
     </p:spTree>
     <p:extLst>
       <p:ext uri="{BB962C8B-B14F-4D97-AF65-F5344CB8AC3E}">
-        <p14:creationId xmlns:p14="http://schemas.microsoft.com/office/powerpoint/2010/main" val="2144410617"/>
+        <p14:creationId xmlns:p14="http://schemas.microsoft.com/office/powerpoint/2010/main" xmlns="" val="2144410617"/>
       </p:ext>
     </p:extLst>
   </p:cSld>
@@ -12352,7 +12367,7 @@
           <p:nvPr/>
         </p:nvPicPr>
         <p:blipFill>
-          <a:blip r:embed="rId2"/>
+          <a:blip r:embed="rId2" cstate="print"/>
           <a:stretch>
             <a:fillRect/>
           </a:stretch>
@@ -12370,7 +12385,7 @@
     </p:spTree>
     <p:extLst>
       <p:ext uri="{BB962C8B-B14F-4D97-AF65-F5344CB8AC3E}">
-        <p14:creationId xmlns:p14="http://schemas.microsoft.com/office/powerpoint/2010/main" val="1110125108"/>
+        <p14:creationId xmlns:p14="http://schemas.microsoft.com/office/powerpoint/2010/main" xmlns="" val="1110125108"/>
       </p:ext>
     </p:extLst>
   </p:cSld>
@@ -12451,7 +12466,7 @@
           <p:nvPr/>
         </p:nvPicPr>
         <p:blipFill>
-          <a:blip r:embed="rId2"/>
+          <a:blip r:embed="rId2" cstate="print"/>
           <a:stretch>
             <a:fillRect/>
           </a:stretch>
@@ -12469,7 +12484,7 @@
     </p:spTree>
     <p:extLst>
       <p:ext uri="{BB962C8B-B14F-4D97-AF65-F5344CB8AC3E}">
-        <p14:creationId xmlns:p14="http://schemas.microsoft.com/office/powerpoint/2010/main" val="750313726"/>
+        <p14:creationId xmlns:p14="http://schemas.microsoft.com/office/powerpoint/2010/main" xmlns="" val="750313726"/>
       </p:ext>
     </p:extLst>
   </p:cSld>
@@ -12550,7 +12565,7 @@
           <p:nvPr/>
         </p:nvPicPr>
         <p:blipFill>
-          <a:blip r:embed="rId2"/>
+          <a:blip r:embed="rId2" cstate="print"/>
           <a:stretch>
             <a:fillRect/>
           </a:stretch>
@@ -12568,7 +12583,7 @@
     </p:spTree>
     <p:extLst>
       <p:ext uri="{BB962C8B-B14F-4D97-AF65-F5344CB8AC3E}">
-        <p14:creationId xmlns:p14="http://schemas.microsoft.com/office/powerpoint/2010/main" val="2644829993"/>
+        <p14:creationId xmlns:p14="http://schemas.microsoft.com/office/powerpoint/2010/main" xmlns="" val="2644829993"/>
       </p:ext>
     </p:extLst>
   </p:cSld>
@@ -12649,7 +12664,7 @@
           <p:nvPr/>
         </p:nvPicPr>
         <p:blipFill>
-          <a:blip r:embed="rId2"/>
+          <a:blip r:embed="rId2" cstate="print"/>
           <a:stretch>
             <a:fillRect/>
           </a:stretch>
@@ -12667,7 +12682,7 @@
     </p:spTree>
     <p:extLst>
       <p:ext uri="{BB962C8B-B14F-4D97-AF65-F5344CB8AC3E}">
-        <p14:creationId xmlns:p14="http://schemas.microsoft.com/office/powerpoint/2010/main" val="2566407213"/>
+        <p14:creationId xmlns:p14="http://schemas.microsoft.com/office/powerpoint/2010/main" xmlns="" val="2566407213"/>
       </p:ext>
     </p:extLst>
   </p:cSld>
@@ -12723,14 +12738,14 @@
           </a:ln>
           <a:extLst>
             <a:ext uri="{909E8E84-426E-40DD-AFC4-6F175D3DCCD1}">
-              <a14:hiddenFill xmlns:a14="http://schemas.microsoft.com/office/drawing/2010/main">
+              <a14:hiddenFill xmlns:a14="http://schemas.microsoft.com/office/drawing/2010/main" xmlns="">
                 <a:solidFill>
                   <a:srgbClr val="FFFFFF"/>
                 </a:solidFill>
               </a14:hiddenFill>
             </a:ext>
             <a:ext uri="{91240B29-F687-4F45-9708-019B960494DF}">
-              <a14:hiddenLine xmlns:a14="http://schemas.microsoft.com/office/drawing/2010/main" w="9525">
+              <a14:hiddenLine xmlns:a14="http://schemas.microsoft.com/office/drawing/2010/main" xmlns="" w="9525">
                 <a:solidFill>
                   <a:srgbClr val="000000"/>
                 </a:solidFill>
@@ -13084,14 +13099,14 @@
           </a:ln>
           <a:extLst>
             <a:ext uri="{909E8E84-426E-40DD-AFC4-6F175D3DCCD1}">
-              <a14:hiddenFill xmlns:a14="http://schemas.microsoft.com/office/drawing/2010/main">
+              <a14:hiddenFill xmlns:a14="http://schemas.microsoft.com/office/drawing/2010/main" xmlns="">
                 <a:solidFill>
                   <a:srgbClr val="FFFFFF"/>
                 </a:solidFill>
               </a14:hiddenFill>
             </a:ext>
             <a:ext uri="{91240B29-F687-4F45-9708-019B960494DF}">
-              <a14:hiddenLine xmlns:a14="http://schemas.microsoft.com/office/drawing/2010/main" w="9525">
+              <a14:hiddenLine xmlns:a14="http://schemas.microsoft.com/office/drawing/2010/main" xmlns="" w="9525">
                 <a:solidFill>
                   <a:srgbClr val="000000"/>
                 </a:solidFill>
@@ -13797,10 +13812,10 @@
           <p:nvPr/>
         </p:nvPicPr>
         <p:blipFill>
-          <a:blip r:embed="rId2">
+          <a:blip r:embed="rId2" cstate="print">
             <a:extLst>
               <a:ext uri="{28A0092B-C50C-407E-A947-70E740481C1C}">
-                <a14:useLocalDpi xmlns:a14="http://schemas.microsoft.com/office/drawing/2010/main" val="0"/>
+                <a14:useLocalDpi xmlns:a14="http://schemas.microsoft.com/office/drawing/2010/main" xmlns="" val="0"/>
               </a:ext>
             </a:extLst>
           </a:blip>
@@ -13823,14 +13838,14 @@
           </a:ln>
           <a:extLst>
             <a:ext uri="{909E8E84-426E-40DD-AFC4-6F175D3DCCD1}">
-              <a14:hiddenFill xmlns:a14="http://schemas.microsoft.com/office/drawing/2010/main">
+              <a14:hiddenFill xmlns:a14="http://schemas.microsoft.com/office/drawing/2010/main" xmlns="">
                 <a:solidFill>
                   <a:srgbClr val="FFFFFF"/>
                 </a:solidFill>
               </a14:hiddenFill>
             </a:ext>
             <a:ext uri="{91240B29-F687-4F45-9708-019B960494DF}">
-              <a14:hiddenLine xmlns:a14="http://schemas.microsoft.com/office/drawing/2010/main" w="9525">
+              <a14:hiddenLine xmlns:a14="http://schemas.microsoft.com/office/drawing/2010/main" xmlns="" w="9525">
                 <a:solidFill>
                   <a:srgbClr val="000000"/>
                 </a:solidFill>
@@ -13845,7 +13860,7 @@
     </p:spTree>
     <p:extLst>
       <p:ext uri="{BB962C8B-B14F-4D97-AF65-F5344CB8AC3E}">
-        <p14:creationId xmlns:p14="http://schemas.microsoft.com/office/powerpoint/2010/main" val="130430951"/>
+        <p14:creationId xmlns:p14="http://schemas.microsoft.com/office/powerpoint/2010/main" xmlns="" val="130430951"/>
       </p:ext>
     </p:extLst>
   </p:cSld>
@@ -13894,14 +13909,14 @@
           </a:ln>
           <a:extLst>
             <a:ext uri="{909E8E84-426E-40DD-AFC4-6F175D3DCCD1}">
-              <a14:hiddenFill xmlns:a14="http://schemas.microsoft.com/office/drawing/2010/main">
+              <a14:hiddenFill xmlns:a14="http://schemas.microsoft.com/office/drawing/2010/main" xmlns="">
                 <a:solidFill>
                   <a:srgbClr val="FFFFFF"/>
                 </a:solidFill>
               </a14:hiddenFill>
             </a:ext>
             <a:ext uri="{91240B29-F687-4F45-9708-019B960494DF}">
-              <a14:hiddenLine xmlns:a14="http://schemas.microsoft.com/office/drawing/2010/main" w="9525">
+              <a14:hiddenLine xmlns:a14="http://schemas.microsoft.com/office/drawing/2010/main" xmlns="" w="9525">
                 <a:solidFill>
                   <a:srgbClr val="000000"/>
                 </a:solidFill>
@@ -14255,14 +14270,14 @@
           </a:ln>
           <a:extLst>
             <a:ext uri="{909E8E84-426E-40DD-AFC4-6F175D3DCCD1}">
-              <a14:hiddenFill xmlns:a14="http://schemas.microsoft.com/office/drawing/2010/main">
+              <a14:hiddenFill xmlns:a14="http://schemas.microsoft.com/office/drawing/2010/main" xmlns="">
                 <a:solidFill>
                   <a:srgbClr val="FFFFFF"/>
                 </a:solidFill>
               </a14:hiddenFill>
             </a:ext>
             <a:ext uri="{91240B29-F687-4F45-9708-019B960494DF}">
-              <a14:hiddenLine xmlns:a14="http://schemas.microsoft.com/office/drawing/2010/main" w="9525">
+              <a14:hiddenLine xmlns:a14="http://schemas.microsoft.com/office/drawing/2010/main" xmlns="" w="9525">
                 <a:solidFill>
                   <a:srgbClr val="000000"/>
                 </a:solidFill>
@@ -14779,14 +14794,14 @@
           </a:ln>
           <a:extLst>
             <a:ext uri="{909E8E84-426E-40DD-AFC4-6F175D3DCCD1}">
-              <a14:hiddenFill xmlns:a14="http://schemas.microsoft.com/office/drawing/2010/main">
+              <a14:hiddenFill xmlns:a14="http://schemas.microsoft.com/office/drawing/2010/main" xmlns="">
                 <a:solidFill>
                   <a:srgbClr val="FFFFFF"/>
                 </a:solidFill>
               </a14:hiddenFill>
             </a:ext>
             <a:ext uri="{91240B29-F687-4F45-9708-019B960494DF}">
-              <a14:hiddenLine xmlns:a14="http://schemas.microsoft.com/office/drawing/2010/main" w="9525">
+              <a14:hiddenLine xmlns:a14="http://schemas.microsoft.com/office/drawing/2010/main" xmlns="" w="9525">
                 <a:solidFill>
                   <a:srgbClr val="000000"/>
                 </a:solidFill>
@@ -15140,14 +15155,14 @@
           </a:ln>
           <a:extLst>
             <a:ext uri="{909E8E84-426E-40DD-AFC4-6F175D3DCCD1}">
-              <a14:hiddenFill xmlns:a14="http://schemas.microsoft.com/office/drawing/2010/main">
+              <a14:hiddenFill xmlns:a14="http://schemas.microsoft.com/office/drawing/2010/main" xmlns="">
                 <a:solidFill>
                   <a:srgbClr val="FFFFFF"/>
                 </a:solidFill>
               </a14:hiddenFill>
             </a:ext>
             <a:ext uri="{91240B29-F687-4F45-9708-019B960494DF}">
-              <a14:hiddenLine xmlns:a14="http://schemas.microsoft.com/office/drawing/2010/main" w="9525">
+              <a14:hiddenLine xmlns:a14="http://schemas.microsoft.com/office/drawing/2010/main" xmlns="" w="9525">
                 <a:solidFill>
                   <a:srgbClr val="000000"/>
                 </a:solidFill>
@@ -15373,7 +15388,7 @@
     </p:spTree>
     <p:extLst>
       <p:ext uri="{BB962C8B-B14F-4D97-AF65-F5344CB8AC3E}">
-        <p14:creationId xmlns:p14="http://schemas.microsoft.com/office/powerpoint/2010/main" val="2889957153"/>
+        <p14:creationId xmlns:p14="http://schemas.microsoft.com/office/powerpoint/2010/main" xmlns="" val="2889957153"/>
       </p:ext>
     </p:extLst>
   </p:cSld>
@@ -15451,10 +15466,10 @@
           <p:nvPr/>
         </p:nvPicPr>
         <p:blipFill>
-          <a:blip r:embed="rId2">
+          <a:blip r:embed="rId2" cstate="print">
             <a:extLst>
               <a:ext uri="{28A0092B-C50C-407E-A947-70E740481C1C}">
-                <a14:useLocalDpi xmlns:a14="http://schemas.microsoft.com/office/drawing/2010/main" val="0"/>
+                <a14:useLocalDpi xmlns:a14="http://schemas.microsoft.com/office/drawing/2010/main" xmlns="" val="0"/>
               </a:ext>
             </a:extLst>
           </a:blip>
@@ -15477,14 +15492,14 @@
           </a:ln>
           <a:extLst>
             <a:ext uri="{909E8E84-426E-40DD-AFC4-6F175D3DCCD1}">
-              <a14:hiddenFill xmlns:a14="http://schemas.microsoft.com/office/drawing/2010/main">
+              <a14:hiddenFill xmlns:a14="http://schemas.microsoft.com/office/drawing/2010/main" xmlns="">
                 <a:solidFill>
                   <a:srgbClr val="FFFFFF"/>
                 </a:solidFill>
               </a14:hiddenFill>
             </a:ext>
             <a:ext uri="{91240B29-F687-4F45-9708-019B960494DF}">
-              <a14:hiddenLine xmlns:a14="http://schemas.microsoft.com/office/drawing/2010/main" w="9525">
+              <a14:hiddenLine xmlns:a14="http://schemas.microsoft.com/office/drawing/2010/main" xmlns="" w="9525">
                 <a:solidFill>
                   <a:srgbClr val="000000"/>
                 </a:solidFill>
@@ -15499,7 +15514,7 @@
     </p:spTree>
     <p:extLst>
       <p:ext uri="{BB962C8B-B14F-4D97-AF65-F5344CB8AC3E}">
-        <p14:creationId xmlns:p14="http://schemas.microsoft.com/office/powerpoint/2010/main" val="1146729539"/>
+        <p14:creationId xmlns:p14="http://schemas.microsoft.com/office/powerpoint/2010/main" xmlns="" val="1146729539"/>
       </p:ext>
     </p:extLst>
   </p:cSld>
@@ -15583,7 +15598,7 @@
     </p:spTree>
     <p:extLst>
       <p:ext uri="{BB962C8B-B14F-4D97-AF65-F5344CB8AC3E}">
-        <p14:creationId xmlns:p14="http://schemas.microsoft.com/office/powerpoint/2010/main" val="1626723130"/>
+        <p14:creationId xmlns:p14="http://schemas.microsoft.com/office/powerpoint/2010/main" xmlns="" val="1626723130"/>
       </p:ext>
     </p:extLst>
   </p:cSld>
@@ -15666,10 +15681,10 @@
           <p:nvPr/>
         </p:nvPicPr>
         <p:blipFill>
-          <a:blip r:embed="rId2">
+          <a:blip r:embed="rId2" cstate="print">
             <a:extLst>
               <a:ext uri="{28A0092B-C50C-407E-A947-70E740481C1C}">
-                <a14:useLocalDpi xmlns:a14="http://schemas.microsoft.com/office/drawing/2010/main" val="0"/>
+                <a14:useLocalDpi xmlns:a14="http://schemas.microsoft.com/office/drawing/2010/main" xmlns="" val="0"/>
               </a:ext>
             </a:extLst>
           </a:blip>
@@ -15692,14 +15707,14 @@
           </a:ln>
           <a:extLst>
             <a:ext uri="{909E8E84-426E-40DD-AFC4-6F175D3DCCD1}">
-              <a14:hiddenFill xmlns:a14="http://schemas.microsoft.com/office/drawing/2010/main">
+              <a14:hiddenFill xmlns:a14="http://schemas.microsoft.com/office/drawing/2010/main" xmlns="">
                 <a:solidFill>
                   <a:srgbClr val="FFFFFF"/>
                 </a:solidFill>
               </a14:hiddenFill>
             </a:ext>
             <a:ext uri="{91240B29-F687-4F45-9708-019B960494DF}">
-              <a14:hiddenLine xmlns:a14="http://schemas.microsoft.com/office/drawing/2010/main" w="9525">
+              <a14:hiddenLine xmlns:a14="http://schemas.microsoft.com/office/drawing/2010/main" xmlns="" w="9525">
                 <a:solidFill>
                   <a:srgbClr val="000000"/>
                 </a:solidFill>
@@ -15720,10 +15735,10 @@
           <p:nvPr/>
         </p:nvPicPr>
         <p:blipFill>
-          <a:blip r:embed="rId3">
+          <a:blip r:embed="rId3" cstate="print">
             <a:extLst>
               <a:ext uri="{28A0092B-C50C-407E-A947-70E740481C1C}">
-                <a14:useLocalDpi xmlns:a14="http://schemas.microsoft.com/office/drawing/2010/main" val="0"/>
+                <a14:useLocalDpi xmlns:a14="http://schemas.microsoft.com/office/drawing/2010/main" xmlns="" val="0"/>
               </a:ext>
             </a:extLst>
           </a:blip>
@@ -15746,14 +15761,14 @@
           </a:ln>
           <a:extLst>
             <a:ext uri="{909E8E84-426E-40DD-AFC4-6F175D3DCCD1}">
-              <a14:hiddenFill xmlns:a14="http://schemas.microsoft.com/office/drawing/2010/main">
+              <a14:hiddenFill xmlns:a14="http://schemas.microsoft.com/office/drawing/2010/main" xmlns="">
                 <a:solidFill>
                   <a:srgbClr val="FFFFFF"/>
                 </a:solidFill>
               </a14:hiddenFill>
             </a:ext>
             <a:ext uri="{91240B29-F687-4F45-9708-019B960494DF}">
-              <a14:hiddenLine xmlns:a14="http://schemas.microsoft.com/office/drawing/2010/main" w="9525">
+              <a14:hiddenLine xmlns:a14="http://schemas.microsoft.com/office/drawing/2010/main" xmlns="" w="9525">
                 <a:solidFill>
                   <a:srgbClr val="000000"/>
                 </a:solidFill>
@@ -15768,7 +15783,7 @@
     </p:spTree>
     <p:extLst>
       <p:ext uri="{BB962C8B-B14F-4D97-AF65-F5344CB8AC3E}">
-        <p14:creationId xmlns:p14="http://schemas.microsoft.com/office/powerpoint/2010/main" val="2338154259"/>
+        <p14:creationId xmlns:p14="http://schemas.microsoft.com/office/powerpoint/2010/main" xmlns="" val="2338154259"/>
       </p:ext>
     </p:extLst>
   </p:cSld>
@@ -15852,7 +15867,7 @@
     </p:spTree>
     <p:extLst>
       <p:ext uri="{BB962C8B-B14F-4D97-AF65-F5344CB8AC3E}">
-        <p14:creationId xmlns:p14="http://schemas.microsoft.com/office/powerpoint/2010/main" val="1142658918"/>
+        <p14:creationId xmlns:p14="http://schemas.microsoft.com/office/powerpoint/2010/main" xmlns="" val="1142658918"/>
       </p:ext>
     </p:extLst>
   </p:cSld>
@@ -16345,7 +16360,7 @@
   </a:extraClrSchemeLst>
   <a:extLst>
     <a:ext uri="{05A4C25C-085E-4340-85A3-A5531E510DB2}">
-      <thm15:themeFamily xmlns:thm15="http://schemas.microsoft.com/office/thememl/2012/main" name="Office Theme" id="{62F939B6-93AF-4DB8-9C6B-D6C7DFDC589F}" vid="{4A3C46E8-61CC-4603-A589-7422A47A8E4A}"/>
+      <thm15:themeFamily xmlns:thm15="http://schemas.microsoft.com/office/thememl/2012/main" xmlns="" name="Office Theme" id="{62F939B6-93AF-4DB8-9C6B-D6C7DFDC589F}" vid="{4A3C46E8-61CC-4603-A589-7422A47A8E4A}"/>
     </a:ext>
   </a:extLst>
 </a:theme>
@@ -16606,7 +16621,7 @@
   <a:extraClrSchemeLst/>
   <a:extLst>
     <a:ext uri="{05A4C25C-085E-4340-85A3-A5531E510DB2}">
-      <thm15:themeFamily xmlns:thm15="http://schemas.microsoft.com/office/thememl/2012/main" name="Office Theme" id="{62F939B6-93AF-4DB8-9C6B-D6C7DFDC589F}" vid="{4A3C46E8-61CC-4603-A589-7422A47A8E4A}"/>
+      <thm15:themeFamily xmlns:thm15="http://schemas.microsoft.com/office/thememl/2012/main" xmlns="" name="Office Theme" id="{62F939B6-93AF-4DB8-9C6B-D6C7DFDC589F}" vid="{4A3C46E8-61CC-4603-A589-7422A47A8E4A}"/>
     </a:ext>
   </a:extLst>
 </a:theme>
